--- a/slides/informatica_tcc.pptx
+++ b/slides/informatica_tcc.pptx
@@ -3379,8 +3379,8 @@
         </p:nvSpPr>
         <p:spPr>
           <a:xfrm>
-            <a:off x="2286000" y="4795358"/>
-            <a:ext cx="4572000" cy="1846659"/>
+            <a:off x="2286000" y="5200797"/>
+            <a:ext cx="4572000" cy="1384995"/>
           </a:xfrm>
           <a:prstGeom prst="rect">
             <a:avLst/>
@@ -3395,31 +3395,27 @@
           <a:p>
             <a:pPr algn="ctr"/>
             <a:r>
-              <a:rPr lang="pt-BR" sz="2400" dirty="0"/>
+              <a:rPr lang="pt-BR" sz="2000" dirty="0"/>
               <a:t>M.Sc Laise de Moraes</a:t>
             </a:r>
-            <a:endParaRPr lang="pt-BR" dirty="0"/>
+            <a:endParaRPr lang="pt-BR" sz="1600" dirty="0"/>
           </a:p>
           <a:p>
             <a:pPr algn="ctr"/>
-            <a:endParaRPr lang="pt-BR" b="1" dirty="0"/>
+            <a:endParaRPr lang="pt-BR" sz="1600" b="1" dirty="0"/>
           </a:p>
           <a:p>
             <a:pPr algn="ctr"/>
-            <a:endParaRPr lang="pt-BR" b="1" dirty="0"/>
+            <a:endParaRPr lang="pt-BR" sz="1600" b="1" dirty="0"/>
           </a:p>
           <a:p>
             <a:pPr algn="ctr"/>
-            <a:endParaRPr lang="pt-BR" b="1" dirty="0"/>
+            <a:endParaRPr lang="pt-BR" sz="1600" b="1" dirty="0"/>
           </a:p>
           <a:p>
             <a:pPr algn="ctr"/>
-            <a:endParaRPr lang="pt-BR" b="1" dirty="0"/>
-          </a:p>
-          <a:p>
-            <a:pPr algn="ctr"/>
-            <a:r>
-              <a:rPr lang="pt-BR" dirty="0"/>
+            <a:r>
+              <a:rPr lang="pt-BR" sz="1600" dirty="0"/>
               <a:t>2022</a:t>
             </a:r>
           </a:p>
@@ -3439,8 +3435,8 @@
         </p:nvSpPr>
         <p:spPr>
           <a:xfrm>
-            <a:off x="905774" y="2260922"/>
-            <a:ext cx="7332452" cy="646331"/>
+            <a:off x="905774" y="2807593"/>
+            <a:ext cx="7332452" cy="1538883"/>
           </a:xfrm>
           <a:prstGeom prst="rect">
             <a:avLst/>
@@ -3453,10 +3449,29 @@
           </a:bodyPr>
           <a:lstStyle/>
           <a:p>
-            <a:r>
-              <a:rPr lang="pt-BR" sz="3600" dirty="0"/>
+            <a:pPr algn="ctr"/>
+            <a:r>
+              <a:rPr lang="pt-BR" sz="3600" b="1" dirty="0"/>
               <a:t>Ferramentas de informática para TCC</a:t>
             </a:r>
+          </a:p>
+          <a:p>
+            <a:pPr algn="ctr"/>
+            <a:endParaRPr lang="pt-BR" sz="700" dirty="0"/>
+          </a:p>
+          <a:p>
+            <a:pPr algn="ctr"/>
+            <a:r>
+              <a:rPr lang="pt-BR" sz="2400" b="0" i="0" dirty="0">
+                <a:solidFill>
+                  <a:srgbClr val="24292F"/>
+                </a:solidFill>
+                <a:effectLst/>
+                <a:latin typeface="-apple-system"/>
+              </a:rPr>
+              <a:t>Busca de artigos no PubMed, SciELO e BVS e ferramentas do MS Word, MS Excel e Mendeley</a:t>
+            </a:r>
+            <a:endParaRPr lang="pt-BR" sz="2400" dirty="0"/>
           </a:p>
         </p:txBody>
       </p:sp>
@@ -3474,8 +3489,8 @@
         </p:nvGrpSpPr>
         <p:grpSpPr>
           <a:xfrm>
-            <a:off x="999917" y="3260935"/>
-            <a:ext cx="7144166" cy="720000"/>
+            <a:off x="671325" y="1818945"/>
+            <a:ext cx="7801350" cy="786232"/>
             <a:chOff x="808818" y="2800274"/>
             <a:chExt cx="7144166" cy="720000"/>
           </a:xfrm>

--- a/slides/informatica_tcc.pptx
+++ b/slides/informatica_tcc.pptx
@@ -13,6 +13,11 @@
     <p:sldId id="265" r:id="rId7"/>
     <p:sldId id="263" r:id="rId8"/>
     <p:sldId id="264" r:id="rId9"/>
+    <p:sldId id="272" r:id="rId10"/>
+    <p:sldId id="273" r:id="rId11"/>
+    <p:sldId id="276" r:id="rId12"/>
+    <p:sldId id="277" r:id="rId13"/>
+    <p:sldId id="278" r:id="rId14"/>
   </p:sldIdLst>
   <p:sldSz cx="9144000" cy="6858000" type="screen4x3"/>
   <p:notesSz cx="6858000" cy="9144000"/>
@@ -114,12 +119,12 @@
   <p:extLst>
     <p:ext uri="{EFAFB233-063F-42B5-8137-9DF3F51BA10A}">
       <p15:sldGuideLst xmlns:p15="http://schemas.microsoft.com/office/powerpoint/2012/main">
-        <p15:guide id="1" orient="horz" pos="2160" userDrawn="1">
+        <p15:guide id="1" orient="horz" pos="754" userDrawn="1">
           <p15:clr>
             <a:srgbClr val="A4A3A4"/>
           </p15:clr>
         </p15:guide>
-        <p15:guide id="2" pos="2880" userDrawn="1">
+        <p15:guide id="2" pos="1270" userDrawn="1">
           <p15:clr>
             <a:srgbClr val="A4A3A4"/>
           </p15:clr>
@@ -3435,7 +3440,7 @@
         </p:nvSpPr>
         <p:spPr>
           <a:xfrm>
-            <a:off x="905774" y="2807593"/>
+            <a:off x="905774" y="2976033"/>
             <a:ext cx="7332452" cy="1538883"/>
           </a:xfrm>
           <a:prstGeom prst="rect">
@@ -3489,7 +3494,7 @@
         </p:nvGrpSpPr>
         <p:grpSpPr>
           <a:xfrm>
-            <a:off x="671325" y="1818945"/>
+            <a:off x="671325" y="1722691"/>
             <a:ext cx="7801350" cy="786232"/>
             <a:chOff x="808818" y="2800274"/>
             <a:chExt cx="7144166" cy="720000"/>
@@ -3743,6 +3748,761 @@
 </p:sld>
 </file>
 
+<file path=ppt/slides/slide10.xml><?xml version="1.0" encoding="utf-8"?>
+<p:sld xmlns:a="http://schemas.openxmlformats.org/drawingml/2006/main" xmlns:r="http://schemas.openxmlformats.org/officeDocument/2006/relationships" xmlns:p="http://schemas.openxmlformats.org/presentationml/2006/main">
+  <p:cSld>
+    <p:spTree>
+      <p:nvGrpSpPr>
+        <p:cNvPr id="1" name=""/>
+        <p:cNvGrpSpPr/>
+        <p:nvPr/>
+      </p:nvGrpSpPr>
+      <p:grpSpPr>
+        <a:xfrm>
+          <a:off x="0" y="0"/>
+          <a:ext cx="0" cy="0"/>
+          <a:chOff x="0" y="0"/>
+          <a:chExt cx="0" cy="0"/>
+        </a:xfrm>
+      </p:grpSpPr>
+      <p:sp>
+        <p:nvSpPr>
+          <p:cNvPr id="5" name="TextBox 4">
+            <a:extLst>
+              <a:ext uri="{FF2B5EF4-FFF2-40B4-BE49-F238E27FC236}">
+                <a16:creationId xmlns:a16="http://schemas.microsoft.com/office/drawing/2014/main" id="{8AE687A2-A2BF-C00F-C459-B509169FA77F}"/>
+              </a:ext>
+            </a:extLst>
+          </p:cNvPr>
+          <p:cNvSpPr txBox="1"/>
+          <p:nvPr/>
+        </p:nvSpPr>
+        <p:spPr>
+          <a:xfrm>
+            <a:off x="216568" y="302476"/>
+            <a:ext cx="8710864" cy="461665"/>
+          </a:xfrm>
+          <a:prstGeom prst="rect">
+            <a:avLst/>
+          </a:prstGeom>
+          <a:noFill/>
+        </p:spPr>
+        <p:txBody>
+          <a:bodyPr wrap="square">
+            <a:spAutoFit/>
+          </a:bodyPr>
+          <a:lstStyle/>
+          <a:p>
+            <a:pPr algn="ctr"/>
+            <a:r>
+              <a:rPr lang="pt-BR" sz="2400" dirty="0"/>
+              <a:t>Como realizar a busca avançada</a:t>
+            </a:r>
+            <a:endParaRPr lang="pt-BR" sz="2400" i="1" dirty="0"/>
+          </a:p>
+        </p:txBody>
+      </p:sp>
+      <p:pic>
+        <p:nvPicPr>
+          <p:cNvPr id="6" name="Picture 5">
+            <a:extLst>
+              <a:ext uri="{FF2B5EF4-FFF2-40B4-BE49-F238E27FC236}">
+                <a16:creationId xmlns:a16="http://schemas.microsoft.com/office/drawing/2014/main" id="{F5C3CB53-C52F-8786-DBE1-AC526A710565}"/>
+              </a:ext>
+            </a:extLst>
+          </p:cNvPr>
+          <p:cNvPicPr>
+            <a:picLocks noChangeAspect="1"/>
+          </p:cNvPicPr>
+          <p:nvPr/>
+        </p:nvPicPr>
+        <p:blipFill>
+          <a:blip r:embed="rId2"/>
+          <a:stretch>
+            <a:fillRect/>
+          </a:stretch>
+        </p:blipFill>
+        <p:spPr>
+          <a:xfrm>
+            <a:off x="0" y="1211263"/>
+            <a:ext cx="9145600" cy="5144400"/>
+          </a:xfrm>
+          <a:prstGeom prst="rect">
+            <a:avLst/>
+          </a:prstGeom>
+        </p:spPr>
+      </p:pic>
+      <p:pic>
+        <p:nvPicPr>
+          <p:cNvPr id="7" name="Picture 6">
+            <a:extLst>
+              <a:ext uri="{FF2B5EF4-FFF2-40B4-BE49-F238E27FC236}">
+                <a16:creationId xmlns:a16="http://schemas.microsoft.com/office/drawing/2014/main" id="{B87828B8-9CB9-967D-10E3-3A081AF7444A}"/>
+              </a:ext>
+            </a:extLst>
+          </p:cNvPr>
+          <p:cNvPicPr>
+            <a:picLocks noChangeAspect="1"/>
+          </p:cNvPicPr>
+          <p:nvPr/>
+        </p:nvPicPr>
+        <p:blipFill rotWithShape="1">
+          <a:blip r:embed="rId3"/>
+          <a:srcRect t="3007" r="7618" b="7059"/>
+          <a:stretch/>
+        </p:blipFill>
+        <p:spPr>
+          <a:xfrm>
+            <a:off x="1684487" y="4117124"/>
+            <a:ext cx="5775026" cy="2438400"/>
+          </a:xfrm>
+          <a:prstGeom prst="rect">
+            <a:avLst/>
+          </a:prstGeom>
+          <a:ln w="19050">
+            <a:solidFill>
+              <a:schemeClr val="bg2">
+                <a:lumMod val="75000"/>
+              </a:schemeClr>
+            </a:solidFill>
+          </a:ln>
+        </p:spPr>
+      </p:pic>
+      <p:pic>
+        <p:nvPicPr>
+          <p:cNvPr id="10" name="Graphic 9">
+            <a:hlinkClick r:id="rId4"/>
+            <a:extLst>
+              <a:ext uri="{FF2B5EF4-FFF2-40B4-BE49-F238E27FC236}">
+                <a16:creationId xmlns:a16="http://schemas.microsoft.com/office/drawing/2014/main" id="{6365AB20-7595-92AF-B3F3-1CB0FAD9B8CA}"/>
+              </a:ext>
+            </a:extLst>
+          </p:cNvPr>
+          <p:cNvPicPr>
+            <a:picLocks noChangeAspect="1"/>
+          </p:cNvPicPr>
+          <p:nvPr/>
+        </p:nvPicPr>
+        <p:blipFill>
+          <a:blip r:embed="rId5">
+            <a:extLst>
+              <a:ext uri="{28A0092B-C50C-407E-A947-70E740481C1C}">
+                <a14:useLocalDpi xmlns:a14="http://schemas.microsoft.com/office/drawing/2010/main" val="0"/>
+              </a:ext>
+              <a:ext uri="{96DAC541-7B7A-43D3-8B79-37D633B846F1}">
+                <asvg:svgBlip xmlns:asvg="http://schemas.microsoft.com/office/drawing/2016/SVG/main" r:embed="rId6"/>
+              </a:ext>
+            </a:extLst>
+          </a:blip>
+          <a:stretch>
+            <a:fillRect/>
+          </a:stretch>
+        </p:blipFill>
+        <p:spPr>
+          <a:xfrm>
+            <a:off x="7506482" y="200652"/>
+            <a:ext cx="1440000" cy="512000"/>
+          </a:xfrm>
+          <a:prstGeom prst="rect">
+            <a:avLst/>
+          </a:prstGeom>
+        </p:spPr>
+      </p:pic>
+      <p:sp>
+        <p:nvSpPr>
+          <p:cNvPr id="12" name="Arrow: Down 11">
+            <a:extLst>
+              <a:ext uri="{FF2B5EF4-FFF2-40B4-BE49-F238E27FC236}">
+                <a16:creationId xmlns:a16="http://schemas.microsoft.com/office/drawing/2014/main" id="{0FEADBD2-82FE-23EF-A9F3-D6ACAF91EC06}"/>
+              </a:ext>
+            </a:extLst>
+          </p:cNvPr>
+          <p:cNvSpPr/>
+          <p:nvPr/>
+        </p:nvSpPr>
+        <p:spPr>
+          <a:xfrm rot="5400000" flipH="1">
+            <a:off x="8202724" y="2260796"/>
+            <a:ext cx="471480" cy="632371"/>
+          </a:xfrm>
+          <a:prstGeom prst="downArrow">
+            <a:avLst/>
+          </a:prstGeom>
+          <a:solidFill>
+            <a:srgbClr val="FF0000"/>
+          </a:solidFill>
+          <a:ln w="28575">
+            <a:noFill/>
+          </a:ln>
+        </p:spPr>
+        <p:style>
+          <a:lnRef idx="2">
+            <a:schemeClr val="accent1">
+              <a:shade val="50000"/>
+            </a:schemeClr>
+          </a:lnRef>
+          <a:fillRef idx="1">
+            <a:schemeClr val="accent1"/>
+          </a:fillRef>
+          <a:effectRef idx="0">
+            <a:schemeClr val="accent1"/>
+          </a:effectRef>
+          <a:fontRef idx="minor">
+            <a:schemeClr val="lt1"/>
+          </a:fontRef>
+        </p:style>
+        <p:txBody>
+          <a:bodyPr rtlCol="0" anchor="ctr"/>
+          <a:lstStyle/>
+          <a:p>
+            <a:pPr algn="ctr"/>
+            <a:endParaRPr lang="pt-BR"/>
+          </a:p>
+        </p:txBody>
+      </p:sp>
+    </p:spTree>
+    <p:extLst>
+      <p:ext uri="{BB962C8B-B14F-4D97-AF65-F5344CB8AC3E}">
+        <p14:creationId xmlns:p14="http://schemas.microsoft.com/office/powerpoint/2010/main" val="2138057422"/>
+      </p:ext>
+    </p:extLst>
+  </p:cSld>
+  <p:clrMapOvr>
+    <a:masterClrMapping/>
+  </p:clrMapOvr>
+</p:sld>
+</file>
+
+<file path=ppt/slides/slide11.xml><?xml version="1.0" encoding="utf-8"?>
+<p:sld xmlns:a="http://schemas.openxmlformats.org/drawingml/2006/main" xmlns:r="http://schemas.openxmlformats.org/officeDocument/2006/relationships" xmlns:p="http://schemas.openxmlformats.org/presentationml/2006/main">
+  <p:cSld>
+    <p:spTree>
+      <p:nvGrpSpPr>
+        <p:cNvPr id="1" name=""/>
+        <p:cNvGrpSpPr/>
+        <p:nvPr/>
+      </p:nvGrpSpPr>
+      <p:grpSpPr>
+        <a:xfrm>
+          <a:off x="0" y="0"/>
+          <a:ext cx="0" cy="0"/>
+          <a:chOff x="0" y="0"/>
+          <a:chExt cx="0" cy="0"/>
+        </a:xfrm>
+      </p:grpSpPr>
+      <p:pic>
+        <p:nvPicPr>
+          <p:cNvPr id="32" name="Picture 31">
+            <a:extLst>
+              <a:ext uri="{FF2B5EF4-FFF2-40B4-BE49-F238E27FC236}">
+                <a16:creationId xmlns:a16="http://schemas.microsoft.com/office/drawing/2014/main" id="{12AAC570-7CA4-3727-9200-8902A8855039}"/>
+              </a:ext>
+            </a:extLst>
+          </p:cNvPr>
+          <p:cNvPicPr>
+            <a:picLocks noChangeAspect="1"/>
+          </p:cNvPicPr>
+          <p:nvPr/>
+        </p:nvPicPr>
+        <p:blipFill rotWithShape="1">
+          <a:blip r:embed="rId2"/>
+          <a:srcRect l="14720" t="9311" r="48727" b="75257"/>
+          <a:stretch/>
+        </p:blipFill>
+        <p:spPr>
+          <a:xfrm>
+            <a:off x="0" y="4003674"/>
+            <a:ext cx="6012495" cy="1427799"/>
+          </a:xfrm>
+          <a:prstGeom prst="rect">
+            <a:avLst/>
+          </a:prstGeom>
+        </p:spPr>
+      </p:pic>
+      <p:sp>
+        <p:nvSpPr>
+          <p:cNvPr id="5" name="TextBox 4">
+            <a:extLst>
+              <a:ext uri="{FF2B5EF4-FFF2-40B4-BE49-F238E27FC236}">
+                <a16:creationId xmlns:a16="http://schemas.microsoft.com/office/drawing/2014/main" id="{8AE687A2-A2BF-C00F-C459-B509169FA77F}"/>
+              </a:ext>
+            </a:extLst>
+          </p:cNvPr>
+          <p:cNvSpPr txBox="1"/>
+          <p:nvPr/>
+        </p:nvSpPr>
+        <p:spPr>
+          <a:xfrm>
+            <a:off x="216568" y="302476"/>
+            <a:ext cx="8710864" cy="461665"/>
+          </a:xfrm>
+          <a:prstGeom prst="rect">
+            <a:avLst/>
+          </a:prstGeom>
+          <a:noFill/>
+        </p:spPr>
+        <p:txBody>
+          <a:bodyPr wrap="square">
+            <a:spAutoFit/>
+          </a:bodyPr>
+          <a:lstStyle/>
+          <a:p>
+            <a:pPr algn="ctr"/>
+            <a:r>
+              <a:rPr lang="pt-BR" sz="2400" dirty="0"/>
+              <a:t>Como realizar a busca avançada</a:t>
+            </a:r>
+            <a:endParaRPr lang="pt-BR" sz="2400" i="1" dirty="0"/>
+          </a:p>
+        </p:txBody>
+      </p:sp>
+      <p:pic>
+        <p:nvPicPr>
+          <p:cNvPr id="16" name="Picture 15">
+            <a:extLst>
+              <a:ext uri="{FF2B5EF4-FFF2-40B4-BE49-F238E27FC236}">
+                <a16:creationId xmlns:a16="http://schemas.microsoft.com/office/drawing/2014/main" id="{6E1D8AAA-142C-A093-7725-BB85B2DE40C0}"/>
+              </a:ext>
+            </a:extLst>
+          </p:cNvPr>
+          <p:cNvPicPr>
+            <a:picLocks noChangeAspect="1"/>
+          </p:cNvPicPr>
+          <p:nvPr/>
+        </p:nvPicPr>
+        <p:blipFill rotWithShape="1">
+          <a:blip r:embed="rId3"/>
+          <a:srcRect l="17830" r="17830" b="77833"/>
+          <a:stretch/>
+        </p:blipFill>
+        <p:spPr>
+          <a:xfrm>
+            <a:off x="0" y="1164127"/>
+            <a:ext cx="6601431" cy="1279359"/>
+          </a:xfrm>
+          <a:prstGeom prst="rect">
+            <a:avLst/>
+          </a:prstGeom>
+        </p:spPr>
+      </p:pic>
+      <p:pic>
+        <p:nvPicPr>
+          <p:cNvPr id="25" name="Picture 24">
+            <a:extLst>
+              <a:ext uri="{FF2B5EF4-FFF2-40B4-BE49-F238E27FC236}">
+                <a16:creationId xmlns:a16="http://schemas.microsoft.com/office/drawing/2014/main" id="{1C98D622-957E-78C7-F430-8EC666E41FC2}"/>
+              </a:ext>
+            </a:extLst>
+          </p:cNvPr>
+          <p:cNvPicPr>
+            <a:picLocks noChangeAspect="1"/>
+          </p:cNvPicPr>
+          <p:nvPr/>
+        </p:nvPicPr>
+        <p:blipFill rotWithShape="1">
+          <a:blip r:embed="rId4"/>
+          <a:srcRect l="14724" t="9321" r="48724" b="75247"/>
+          <a:stretch/>
+        </p:blipFill>
+        <p:spPr>
+          <a:xfrm>
+            <a:off x="0" y="2513309"/>
+            <a:ext cx="6012495" cy="1427799"/>
+          </a:xfrm>
+          <a:prstGeom prst="rect">
+            <a:avLst/>
+          </a:prstGeom>
+        </p:spPr>
+      </p:pic>
+      <p:pic>
+        <p:nvPicPr>
+          <p:cNvPr id="34" name="Picture 33">
+            <a:extLst>
+              <a:ext uri="{FF2B5EF4-FFF2-40B4-BE49-F238E27FC236}">
+                <a16:creationId xmlns:a16="http://schemas.microsoft.com/office/drawing/2014/main" id="{8BA2B032-3527-0990-5C90-363E6965A18C}"/>
+              </a:ext>
+            </a:extLst>
+          </p:cNvPr>
+          <p:cNvPicPr>
+            <a:picLocks noChangeAspect="1"/>
+          </p:cNvPicPr>
+          <p:nvPr/>
+        </p:nvPicPr>
+        <p:blipFill rotWithShape="1">
+          <a:blip r:embed="rId5"/>
+          <a:srcRect l="31226" r="32170" b="828"/>
+          <a:stretch/>
+        </p:blipFill>
+        <p:spPr>
+          <a:xfrm>
+            <a:off x="5093479" y="1211263"/>
+            <a:ext cx="3705195" cy="5646737"/>
+          </a:xfrm>
+          <a:prstGeom prst="rect">
+            <a:avLst/>
+          </a:prstGeom>
+        </p:spPr>
+      </p:pic>
+      <p:sp>
+        <p:nvSpPr>
+          <p:cNvPr id="35" name="Arrow: Down 34">
+            <a:extLst>
+              <a:ext uri="{FF2B5EF4-FFF2-40B4-BE49-F238E27FC236}">
+                <a16:creationId xmlns:a16="http://schemas.microsoft.com/office/drawing/2014/main" id="{3C671486-5C51-38AA-5B26-82A1F224DE2D}"/>
+              </a:ext>
+            </a:extLst>
+          </p:cNvPr>
+          <p:cNvSpPr/>
+          <p:nvPr/>
+        </p:nvSpPr>
+        <p:spPr>
+          <a:xfrm rot="16200000" flipH="1">
+            <a:off x="359097" y="2675283"/>
+            <a:ext cx="471480" cy="632371"/>
+          </a:xfrm>
+          <a:prstGeom prst="downArrow">
+            <a:avLst/>
+          </a:prstGeom>
+          <a:solidFill>
+            <a:srgbClr val="FF0000"/>
+          </a:solidFill>
+          <a:ln w="28575">
+            <a:noFill/>
+          </a:ln>
+        </p:spPr>
+        <p:style>
+          <a:lnRef idx="2">
+            <a:schemeClr val="accent1">
+              <a:shade val="50000"/>
+            </a:schemeClr>
+          </a:lnRef>
+          <a:fillRef idx="1">
+            <a:schemeClr val="accent1"/>
+          </a:fillRef>
+          <a:effectRef idx="0">
+            <a:schemeClr val="accent1"/>
+          </a:effectRef>
+          <a:fontRef idx="minor">
+            <a:schemeClr val="lt1"/>
+          </a:fontRef>
+        </p:style>
+        <p:txBody>
+          <a:bodyPr rtlCol="0" anchor="ctr"/>
+          <a:lstStyle/>
+          <a:p>
+            <a:pPr algn="ctr"/>
+            <a:endParaRPr lang="pt-BR"/>
+          </a:p>
+        </p:txBody>
+      </p:sp>
+      <p:sp>
+        <p:nvSpPr>
+          <p:cNvPr id="38" name="Rectangle 37">
+            <a:extLst>
+              <a:ext uri="{FF2B5EF4-FFF2-40B4-BE49-F238E27FC236}">
+                <a16:creationId xmlns:a16="http://schemas.microsoft.com/office/drawing/2014/main" id="{404063C6-445D-92EE-7627-6CCBAFECCEA7}"/>
+              </a:ext>
+            </a:extLst>
+          </p:cNvPr>
+          <p:cNvSpPr/>
+          <p:nvPr/>
+        </p:nvSpPr>
+        <p:spPr>
+          <a:xfrm>
+            <a:off x="773432" y="4250373"/>
+            <a:ext cx="3250883" cy="472440"/>
+          </a:xfrm>
+          <a:prstGeom prst="rect">
+            <a:avLst/>
+          </a:prstGeom>
+          <a:noFill/>
+          <a:ln w="19050">
+            <a:solidFill>
+              <a:srgbClr val="FF0000"/>
+            </a:solidFill>
+          </a:ln>
+        </p:spPr>
+        <p:style>
+          <a:lnRef idx="2">
+            <a:schemeClr val="accent1">
+              <a:shade val="50000"/>
+            </a:schemeClr>
+          </a:lnRef>
+          <a:fillRef idx="1">
+            <a:schemeClr val="accent1"/>
+          </a:fillRef>
+          <a:effectRef idx="0">
+            <a:schemeClr val="accent1"/>
+          </a:effectRef>
+          <a:fontRef idx="minor">
+            <a:schemeClr val="lt1"/>
+          </a:fontRef>
+        </p:style>
+        <p:txBody>
+          <a:bodyPr rtlCol="0" anchor="ctr"/>
+          <a:lstStyle/>
+          <a:p>
+            <a:pPr algn="ctr"/>
+            <a:endParaRPr lang="pt-BR"/>
+          </a:p>
+        </p:txBody>
+      </p:sp>
+      <p:pic>
+        <p:nvPicPr>
+          <p:cNvPr id="43" name="Graphic 42">
+            <a:hlinkClick r:id="rId6"/>
+            <a:extLst>
+              <a:ext uri="{FF2B5EF4-FFF2-40B4-BE49-F238E27FC236}">
+                <a16:creationId xmlns:a16="http://schemas.microsoft.com/office/drawing/2014/main" id="{ECF0395B-02ED-EDB9-875F-5027B7312399}"/>
+              </a:ext>
+            </a:extLst>
+          </p:cNvPr>
+          <p:cNvPicPr>
+            <a:picLocks noChangeAspect="1"/>
+          </p:cNvPicPr>
+          <p:nvPr/>
+        </p:nvPicPr>
+        <p:blipFill>
+          <a:blip r:embed="rId7">
+            <a:extLst>
+              <a:ext uri="{28A0092B-C50C-407E-A947-70E740481C1C}">
+                <a14:useLocalDpi xmlns:a14="http://schemas.microsoft.com/office/drawing/2010/main" val="0"/>
+              </a:ext>
+              <a:ext uri="{96DAC541-7B7A-43D3-8B79-37D633B846F1}">
+                <asvg:svgBlip xmlns:asvg="http://schemas.microsoft.com/office/drawing/2016/SVG/main" r:embed="rId8"/>
+              </a:ext>
+            </a:extLst>
+          </a:blip>
+          <a:stretch>
+            <a:fillRect/>
+          </a:stretch>
+        </p:blipFill>
+        <p:spPr>
+          <a:xfrm>
+            <a:off x="8134710" y="201051"/>
+            <a:ext cx="815666" cy="758569"/>
+          </a:xfrm>
+          <a:prstGeom prst="rect">
+            <a:avLst/>
+          </a:prstGeom>
+        </p:spPr>
+      </p:pic>
+    </p:spTree>
+    <p:extLst>
+      <p:ext uri="{BB962C8B-B14F-4D97-AF65-F5344CB8AC3E}">
+        <p14:creationId xmlns:p14="http://schemas.microsoft.com/office/powerpoint/2010/main" val="1440160715"/>
+      </p:ext>
+    </p:extLst>
+  </p:cSld>
+  <p:clrMapOvr>
+    <a:masterClrMapping/>
+  </p:clrMapOvr>
+</p:sld>
+</file>
+
+<file path=ppt/slides/slide12.xml><?xml version="1.0" encoding="utf-8"?>
+<p:sld xmlns:a="http://schemas.openxmlformats.org/drawingml/2006/main" xmlns:r="http://schemas.openxmlformats.org/officeDocument/2006/relationships" xmlns:p="http://schemas.openxmlformats.org/presentationml/2006/main">
+  <p:cSld>
+    <p:spTree>
+      <p:nvGrpSpPr>
+        <p:cNvPr id="1" name=""/>
+        <p:cNvGrpSpPr/>
+        <p:nvPr/>
+      </p:nvGrpSpPr>
+      <p:grpSpPr>
+        <a:xfrm>
+          <a:off x="0" y="0"/>
+          <a:ext cx="0" cy="0"/>
+          <a:chOff x="0" y="0"/>
+          <a:chExt cx="0" cy="0"/>
+        </a:xfrm>
+      </p:grpSpPr>
+      <p:pic>
+        <p:nvPicPr>
+          <p:cNvPr id="2" name="Graphic 1">
+            <a:hlinkClick r:id="rId2"/>
+            <a:extLst>
+              <a:ext uri="{FF2B5EF4-FFF2-40B4-BE49-F238E27FC236}">
+                <a16:creationId xmlns:a16="http://schemas.microsoft.com/office/drawing/2014/main" id="{9E26F4BD-5488-F5CD-70D9-4144475B0D2F}"/>
+              </a:ext>
+            </a:extLst>
+          </p:cNvPr>
+          <p:cNvPicPr>
+            <a:picLocks noChangeAspect="1"/>
+          </p:cNvPicPr>
+          <p:nvPr/>
+        </p:nvPicPr>
+        <p:blipFill>
+          <a:blip r:embed="rId3">
+            <a:extLst>
+              <a:ext uri="{28A0092B-C50C-407E-A947-70E740481C1C}">
+                <a14:useLocalDpi xmlns:a14="http://schemas.microsoft.com/office/drawing/2010/main" val="0"/>
+              </a:ext>
+              <a:ext uri="{96DAC541-7B7A-43D3-8B79-37D633B846F1}">
+                <asvg:svgBlip xmlns:asvg="http://schemas.microsoft.com/office/drawing/2016/SVG/main" r:embed="rId4"/>
+              </a:ext>
+            </a:extLst>
+          </a:blip>
+          <a:stretch>
+            <a:fillRect/>
+          </a:stretch>
+        </p:blipFill>
+        <p:spPr>
+          <a:xfrm>
+            <a:off x="8134710" y="201051"/>
+            <a:ext cx="817200" cy="860210"/>
+          </a:xfrm>
+          <a:prstGeom prst="rect">
+            <a:avLst/>
+          </a:prstGeom>
+        </p:spPr>
+      </p:pic>
+      <p:sp>
+        <p:nvSpPr>
+          <p:cNvPr id="5" name="TextBox 4">
+            <a:extLst>
+              <a:ext uri="{FF2B5EF4-FFF2-40B4-BE49-F238E27FC236}">
+                <a16:creationId xmlns:a16="http://schemas.microsoft.com/office/drawing/2014/main" id="{8AE687A2-A2BF-C00F-C459-B509169FA77F}"/>
+              </a:ext>
+            </a:extLst>
+          </p:cNvPr>
+          <p:cNvSpPr txBox="1"/>
+          <p:nvPr/>
+        </p:nvSpPr>
+        <p:spPr>
+          <a:xfrm>
+            <a:off x="216568" y="302476"/>
+            <a:ext cx="8710864" cy="461665"/>
+          </a:xfrm>
+          <a:prstGeom prst="rect">
+            <a:avLst/>
+          </a:prstGeom>
+          <a:noFill/>
+        </p:spPr>
+        <p:txBody>
+          <a:bodyPr wrap="square">
+            <a:spAutoFit/>
+          </a:bodyPr>
+          <a:lstStyle/>
+          <a:p>
+            <a:pPr algn="ctr"/>
+            <a:r>
+              <a:rPr lang="pt-BR" sz="2400" dirty="0"/>
+              <a:t>Como realizar a busca avançada</a:t>
+            </a:r>
+            <a:endParaRPr lang="pt-BR" sz="2400" i="1" dirty="0"/>
+          </a:p>
+        </p:txBody>
+      </p:sp>
+      <p:pic>
+        <p:nvPicPr>
+          <p:cNvPr id="15" name="Picture 14">
+            <a:extLst>
+              <a:ext uri="{FF2B5EF4-FFF2-40B4-BE49-F238E27FC236}">
+                <a16:creationId xmlns:a16="http://schemas.microsoft.com/office/drawing/2014/main" id="{F759B6D7-980A-37E3-5CF3-D818598E108C}"/>
+              </a:ext>
+            </a:extLst>
+          </p:cNvPr>
+          <p:cNvPicPr>
+            <a:picLocks noChangeAspect="1"/>
+          </p:cNvPicPr>
+          <p:nvPr/>
+        </p:nvPicPr>
+        <p:blipFill>
+          <a:blip r:embed="rId5"/>
+          <a:stretch>
+            <a:fillRect/>
+          </a:stretch>
+        </p:blipFill>
+        <p:spPr>
+          <a:xfrm>
+            <a:off x="0" y="1211263"/>
+            <a:ext cx="9144000" cy="5143500"/>
+          </a:xfrm>
+          <a:prstGeom prst="rect">
+            <a:avLst/>
+          </a:prstGeom>
+        </p:spPr>
+      </p:pic>
+      <p:pic>
+        <p:nvPicPr>
+          <p:cNvPr id="17" name="Picture 16">
+            <a:extLst>
+              <a:ext uri="{FF2B5EF4-FFF2-40B4-BE49-F238E27FC236}">
+                <a16:creationId xmlns:a16="http://schemas.microsoft.com/office/drawing/2014/main" id="{6CD5F3A8-1ABD-32C9-56B3-48FA58B598C5}"/>
+              </a:ext>
+            </a:extLst>
+          </p:cNvPr>
+          <p:cNvPicPr>
+            <a:picLocks noChangeAspect="1"/>
+          </p:cNvPicPr>
+          <p:nvPr/>
+        </p:nvPicPr>
+        <p:blipFill rotWithShape="1">
+          <a:blip r:embed="rId6"/>
+          <a:srcRect l="20183" t="34969" r="20259" b="23088"/>
+          <a:stretch/>
+        </p:blipFill>
+        <p:spPr>
+          <a:xfrm>
+            <a:off x="3142030" y="2537207"/>
+            <a:ext cx="6001970" cy="2377693"/>
+          </a:xfrm>
+          <a:prstGeom prst="rect">
+            <a:avLst/>
+          </a:prstGeom>
+          <a:ln w="12700">
+            <a:solidFill>
+              <a:schemeClr val="bg2">
+                <a:lumMod val="75000"/>
+              </a:schemeClr>
+            </a:solidFill>
+          </a:ln>
+        </p:spPr>
+      </p:pic>
+    </p:spTree>
+    <p:extLst>
+      <p:ext uri="{BB962C8B-B14F-4D97-AF65-F5344CB8AC3E}">
+        <p14:creationId xmlns:p14="http://schemas.microsoft.com/office/powerpoint/2010/main" val="467689120"/>
+      </p:ext>
+    </p:extLst>
+  </p:cSld>
+  <p:clrMapOvr>
+    <a:masterClrMapping/>
+  </p:clrMapOvr>
+</p:sld>
+</file>
+
+<file path=ppt/slides/slide13.xml><?xml version="1.0" encoding="utf-8"?>
+<p:sld xmlns:a="http://schemas.openxmlformats.org/drawingml/2006/main" xmlns:r="http://schemas.openxmlformats.org/officeDocument/2006/relationships" xmlns:p="http://schemas.openxmlformats.org/presentationml/2006/main">
+  <p:cSld>
+    <p:spTree>
+      <p:nvGrpSpPr>
+        <p:cNvPr id="1" name=""/>
+        <p:cNvGrpSpPr/>
+        <p:nvPr/>
+      </p:nvGrpSpPr>
+      <p:grpSpPr>
+        <a:xfrm>
+          <a:off x="0" y="0"/>
+          <a:ext cx="0" cy="0"/>
+          <a:chOff x="0" y="0"/>
+          <a:chExt cx="0" cy="0"/>
+        </a:xfrm>
+      </p:grpSpPr>
+    </p:spTree>
+    <p:extLst>
+      <p:ext uri="{BB962C8B-B14F-4D97-AF65-F5344CB8AC3E}">
+        <p14:creationId xmlns:p14="http://schemas.microsoft.com/office/powerpoint/2010/main" val="3556315151"/>
+      </p:ext>
+    </p:extLst>
+  </p:cSld>
+  <p:clrMapOvr>
+    <a:masterClrMapping/>
+  </p:clrMapOvr>
+</p:sld>
+</file>
+
 <file path=ppt/slides/slide2.xml><?xml version="1.0" encoding="utf-8"?>
 <p:sld xmlns:a="http://schemas.openxmlformats.org/drawingml/2006/main" xmlns:r="http://schemas.openxmlformats.org/officeDocument/2006/relationships" xmlns:p="http://schemas.openxmlformats.org/presentationml/2006/main">
   <p:cSld>
@@ -4775,10 +5535,10 @@
       </p:sp>
       <p:sp>
         <p:nvSpPr>
-          <p:cNvPr id="11" name="Arrow: Down 10">
-            <a:extLst>
-              <a:ext uri="{FF2B5EF4-FFF2-40B4-BE49-F238E27FC236}">
-                <a16:creationId xmlns:a16="http://schemas.microsoft.com/office/drawing/2014/main" id="{0B762D37-92CB-0A1C-DF7D-861FAB93BC58}"/>
+          <p:cNvPr id="2" name="Rectangle 1">
+            <a:extLst>
+              <a:ext uri="{FF2B5EF4-FFF2-40B4-BE49-F238E27FC236}">
+                <a16:creationId xmlns:a16="http://schemas.microsoft.com/office/drawing/2014/main" id="{57DCD7F9-61B3-FAC5-9803-07B11864B97B}"/>
               </a:ext>
             </a:extLst>
           </p:cNvPr>
@@ -4786,18 +5546,18 @@
           <p:nvPr/>
         </p:nvSpPr>
         <p:spPr>
-          <a:xfrm rot="10800000">
-            <a:off x="4381500" y="4762500"/>
-            <a:ext cx="381000" cy="1651000"/>
-          </a:xfrm>
-          <a:prstGeom prst="downArrow">
+          <a:xfrm>
+            <a:off x="3817620" y="2590800"/>
+            <a:ext cx="1508760" cy="3323866"/>
+          </a:xfrm>
+          <a:prstGeom prst="rect">
             <a:avLst/>
           </a:prstGeom>
-          <a:solidFill>
-            <a:srgbClr val="FF0000"/>
-          </a:solidFill>
-          <a:ln>
-            <a:noFill/>
+          <a:noFill/>
+          <a:ln w="38100">
+            <a:solidFill>
+              <a:srgbClr val="FF0000"/>
+            </a:solidFill>
           </a:ln>
         </p:spPr>
         <p:style>
@@ -5468,6 +6228,7 @@
       <p:pic>
         <p:nvPicPr>
           <p:cNvPr id="6" name="Graphic 5">
+            <a:hlinkClick r:id="rId2"/>
             <a:extLst>
               <a:ext uri="{FF2B5EF4-FFF2-40B4-BE49-F238E27FC236}">
                 <a16:creationId xmlns:a16="http://schemas.microsoft.com/office/drawing/2014/main" id="{99A2BF50-4D6B-6A99-8C6B-2B923ED145EA}"/>
@@ -5480,13 +6241,13 @@
           <p:nvPr/>
         </p:nvPicPr>
         <p:blipFill>
-          <a:blip r:embed="rId2">
+          <a:blip r:embed="rId3">
             <a:extLst>
               <a:ext uri="{28A0092B-C50C-407E-A947-70E740481C1C}">
                 <a14:useLocalDpi xmlns:a14="http://schemas.microsoft.com/office/drawing/2010/main" val="0"/>
               </a:ext>
               <a:ext uri="{96DAC541-7B7A-43D3-8B79-37D633B846F1}">
-                <asvg:svgBlip xmlns:asvg="http://schemas.microsoft.com/office/drawing/2016/SVG/main" r:embed="rId3"/>
+                <asvg:svgBlip xmlns:asvg="http://schemas.microsoft.com/office/drawing/2016/SVG/main" r:embed="rId4"/>
               </a:ext>
             </a:extLst>
           </a:blip>
@@ -5496,113 +6257,131 @@
         </p:blipFill>
         <p:spPr>
           <a:xfrm>
-            <a:off x="522000" y="380934"/>
-            <a:ext cx="8100000" cy="2880000"/>
+            <a:off x="923026" y="1063024"/>
+            <a:ext cx="7297948" cy="2594826"/>
           </a:xfrm>
           <a:prstGeom prst="rect">
             <a:avLst/>
           </a:prstGeom>
         </p:spPr>
       </p:pic>
-      <p:grpSp>
-        <p:nvGrpSpPr>
-          <p:cNvPr id="10" name="Group 9">
-            <a:extLst>
-              <a:ext uri="{FF2B5EF4-FFF2-40B4-BE49-F238E27FC236}">
-                <a16:creationId xmlns:a16="http://schemas.microsoft.com/office/drawing/2014/main" id="{6AF68A14-4406-A260-3EC3-B0195F1D5C41}"/>
-              </a:ext>
-            </a:extLst>
-          </p:cNvPr>
-          <p:cNvGrpSpPr/>
+      <p:pic>
+        <p:nvPicPr>
+          <p:cNvPr id="7" name="Graphic 6">
+            <a:hlinkClick r:id="rId5"/>
+            <a:extLst>
+              <a:ext uri="{FF2B5EF4-FFF2-40B4-BE49-F238E27FC236}">
+                <a16:creationId xmlns:a16="http://schemas.microsoft.com/office/drawing/2014/main" id="{2432EA9D-71CB-9E3C-BFCE-B4681E73A66B}"/>
+              </a:ext>
+            </a:extLst>
+          </p:cNvPr>
+          <p:cNvPicPr>
+            <a:picLocks noChangeAspect="1"/>
+          </p:cNvPicPr>
           <p:nvPr/>
-        </p:nvGrpSpPr>
-        <p:grpSpPr>
-          <a:xfrm>
-            <a:off x="1126170" y="3597066"/>
-            <a:ext cx="6891660" cy="2880000"/>
-            <a:chOff x="945783" y="3429000"/>
-            <a:chExt cx="6891660" cy="2880000"/>
-          </a:xfrm>
-        </p:grpSpPr>
-        <p:pic>
-          <p:nvPicPr>
-            <p:cNvPr id="7" name="Graphic 6">
-              <a:extLst>
-                <a:ext uri="{FF2B5EF4-FFF2-40B4-BE49-F238E27FC236}">
-                  <a16:creationId xmlns:a16="http://schemas.microsoft.com/office/drawing/2014/main" id="{2432EA9D-71CB-9E3C-BFCE-B4681E73A66B}"/>
-                </a:ext>
-              </a:extLst>
-            </p:cNvPr>
-            <p:cNvPicPr>
-              <a:picLocks noChangeAspect="1"/>
-            </p:cNvPicPr>
-            <p:nvPr/>
-          </p:nvPicPr>
-          <p:blipFill>
-            <a:blip r:embed="rId4">
-              <a:extLst>
-                <a:ext uri="{28A0092B-C50C-407E-A947-70E740481C1C}">
-                  <a14:useLocalDpi xmlns:a14="http://schemas.microsoft.com/office/drawing/2010/main" val="0"/>
-                </a:ext>
-                <a:ext uri="{96DAC541-7B7A-43D3-8B79-37D633B846F1}">
-                  <asvg:svgBlip xmlns:asvg="http://schemas.microsoft.com/office/drawing/2016/SVG/main" r:embed="rId5"/>
-                </a:ext>
-              </a:extLst>
-            </a:blip>
-            <a:stretch>
-              <a:fillRect/>
-            </a:stretch>
-          </p:blipFill>
-          <p:spPr>
-            <a:xfrm>
-              <a:off x="945783" y="3429000"/>
-              <a:ext cx="3096776" cy="2880000"/>
-            </a:xfrm>
-            <a:prstGeom prst="rect">
-              <a:avLst/>
-            </a:prstGeom>
-          </p:spPr>
-        </p:pic>
-        <p:pic>
-          <p:nvPicPr>
-            <p:cNvPr id="8" name="Graphic 7">
-              <a:extLst>
-                <a:ext uri="{FF2B5EF4-FFF2-40B4-BE49-F238E27FC236}">
-                  <a16:creationId xmlns:a16="http://schemas.microsoft.com/office/drawing/2014/main" id="{0978DA36-492A-6B84-17FF-DA26A098967A}"/>
-                </a:ext>
-              </a:extLst>
-            </p:cNvPr>
-            <p:cNvPicPr>
-              <a:picLocks noChangeAspect="1"/>
-            </p:cNvPicPr>
-            <p:nvPr/>
-          </p:nvPicPr>
-          <p:blipFill>
-            <a:blip r:embed="rId6">
-              <a:extLst>
-                <a:ext uri="{28A0092B-C50C-407E-A947-70E740481C1C}">
-                  <a14:useLocalDpi xmlns:a14="http://schemas.microsoft.com/office/drawing/2010/main" val="0"/>
-                </a:ext>
-                <a:ext uri="{96DAC541-7B7A-43D3-8B79-37D633B846F1}">
-                  <asvg:svgBlip xmlns:asvg="http://schemas.microsoft.com/office/drawing/2016/SVG/main" r:embed="rId7"/>
-                </a:ext>
-              </a:extLst>
-            </a:blip>
-            <a:stretch>
-              <a:fillRect/>
-            </a:stretch>
-          </p:blipFill>
-          <p:spPr>
-            <a:xfrm>
-              <a:off x="5101443" y="3429000"/>
-              <a:ext cx="2736000" cy="2880000"/>
-            </a:xfrm>
-            <a:prstGeom prst="rect">
-              <a:avLst/>
-            </a:prstGeom>
-          </p:spPr>
-        </p:pic>
-      </p:grpSp>
+        </p:nvPicPr>
+        <p:blipFill>
+          <a:blip r:embed="rId6">
+            <a:extLst>
+              <a:ext uri="{28A0092B-C50C-407E-A947-70E740481C1C}">
+                <a14:useLocalDpi xmlns:a14="http://schemas.microsoft.com/office/drawing/2010/main" val="0"/>
+              </a:ext>
+              <a:ext uri="{96DAC541-7B7A-43D3-8B79-37D633B846F1}">
+                <asvg:svgBlip xmlns:asvg="http://schemas.microsoft.com/office/drawing/2016/SVG/main" r:embed="rId7"/>
+              </a:ext>
+            </a:extLst>
+          </a:blip>
+          <a:stretch>
+            <a:fillRect/>
+          </a:stretch>
+        </p:blipFill>
+        <p:spPr>
+          <a:xfrm>
+            <a:off x="1467372" y="3960698"/>
+            <a:ext cx="2790137" cy="2594826"/>
+          </a:xfrm>
+          <a:prstGeom prst="rect">
+            <a:avLst/>
+          </a:prstGeom>
+        </p:spPr>
+      </p:pic>
+      <p:pic>
+        <p:nvPicPr>
+          <p:cNvPr id="8" name="Graphic 7">
+            <a:hlinkClick r:id="rId8"/>
+            <a:extLst>
+              <a:ext uri="{FF2B5EF4-FFF2-40B4-BE49-F238E27FC236}">
+                <a16:creationId xmlns:a16="http://schemas.microsoft.com/office/drawing/2014/main" id="{0978DA36-492A-6B84-17FF-DA26A098967A}"/>
+              </a:ext>
+            </a:extLst>
+          </p:cNvPr>
+          <p:cNvPicPr>
+            <a:picLocks noChangeAspect="1"/>
+          </p:cNvPicPr>
+          <p:nvPr/>
+        </p:nvPicPr>
+        <p:blipFill>
+          <a:blip r:embed="rId9">
+            <a:extLst>
+              <a:ext uri="{28A0092B-C50C-407E-A947-70E740481C1C}">
+                <a14:useLocalDpi xmlns:a14="http://schemas.microsoft.com/office/drawing/2010/main" val="0"/>
+              </a:ext>
+              <a:ext uri="{96DAC541-7B7A-43D3-8B79-37D633B846F1}">
+                <asvg:svgBlip xmlns:asvg="http://schemas.microsoft.com/office/drawing/2016/SVG/main" r:embed="rId10"/>
+              </a:ext>
+            </a:extLst>
+          </a:blip>
+          <a:stretch>
+            <a:fillRect/>
+          </a:stretch>
+        </p:blipFill>
+        <p:spPr>
+          <a:xfrm>
+            <a:off x="5211543" y="3960698"/>
+            <a:ext cx="2465085" cy="2594826"/>
+          </a:xfrm>
+          <a:prstGeom prst="rect">
+            <a:avLst/>
+          </a:prstGeom>
+        </p:spPr>
+      </p:pic>
+      <p:sp>
+        <p:nvSpPr>
+          <p:cNvPr id="2" name="TextBox 1">
+            <a:extLst>
+              <a:ext uri="{FF2B5EF4-FFF2-40B4-BE49-F238E27FC236}">
+                <a16:creationId xmlns:a16="http://schemas.microsoft.com/office/drawing/2014/main" id="{860C4DF0-1DC2-D4E5-04D0-8490A245B10E}"/>
+              </a:ext>
+            </a:extLst>
+          </p:cNvPr>
+          <p:cNvSpPr txBox="1"/>
+          <p:nvPr/>
+        </p:nvSpPr>
+        <p:spPr>
+          <a:xfrm>
+            <a:off x="216568" y="302476"/>
+            <a:ext cx="8710864" cy="461665"/>
+          </a:xfrm>
+          <a:prstGeom prst="rect">
+            <a:avLst/>
+          </a:prstGeom>
+          <a:noFill/>
+        </p:spPr>
+        <p:txBody>
+          <a:bodyPr wrap="square">
+            <a:spAutoFit/>
+          </a:bodyPr>
+          <a:lstStyle/>
+          <a:p>
+            <a:pPr algn="ctr"/>
+            <a:r>
+              <a:rPr lang="pt-BR" sz="2400" dirty="0"/>
+              <a:t>Bases de dados para busca de artigos científicos</a:t>
+            </a:r>
+            <a:endParaRPr lang="pt-BR" sz="2400" i="1" dirty="0"/>
+          </a:p>
+        </p:txBody>
+      </p:sp>
     </p:spTree>
     <p:extLst>
       <p:ext uri="{BB962C8B-B14F-4D97-AF65-F5344CB8AC3E}">
@@ -5664,9 +6443,267 @@
             <a:pPr algn="ctr"/>
             <a:r>
               <a:rPr lang="pt-BR" sz="2400" dirty="0"/>
-              <a:t>Bases de dados para busca</a:t>
+              <a:t>Localização da busca avançada</a:t>
             </a:r>
             <a:endParaRPr lang="pt-BR" sz="2400" i="1" dirty="0"/>
+          </a:p>
+        </p:txBody>
+      </p:sp>
+      <p:pic>
+        <p:nvPicPr>
+          <p:cNvPr id="11" name="Picture 10">
+            <a:extLst>
+              <a:ext uri="{FF2B5EF4-FFF2-40B4-BE49-F238E27FC236}">
+                <a16:creationId xmlns:a16="http://schemas.microsoft.com/office/drawing/2014/main" id="{3B11417B-7CA5-3794-37A9-95865C5651F7}"/>
+              </a:ext>
+            </a:extLst>
+          </p:cNvPr>
+          <p:cNvPicPr>
+            <a:picLocks noChangeAspect="1"/>
+          </p:cNvPicPr>
+          <p:nvPr/>
+        </p:nvPicPr>
+        <p:blipFill rotWithShape="1">
+          <a:blip r:embed="rId2"/>
+          <a:srcRect l="6508" t="13508" r="7105" b="10252"/>
+          <a:stretch/>
+        </p:blipFill>
+        <p:spPr>
+          <a:xfrm>
+            <a:off x="431800" y="1022327"/>
+            <a:ext cx="8396467" cy="1518250"/>
+          </a:xfrm>
+          <a:prstGeom prst="rect">
+            <a:avLst/>
+          </a:prstGeom>
+          <a:ln w="12700">
+            <a:solidFill>
+              <a:srgbClr val="147662"/>
+            </a:solidFill>
+          </a:ln>
+        </p:spPr>
+      </p:pic>
+      <p:pic>
+        <p:nvPicPr>
+          <p:cNvPr id="12" name="Picture 11">
+            <a:extLst>
+              <a:ext uri="{FF2B5EF4-FFF2-40B4-BE49-F238E27FC236}">
+                <a16:creationId xmlns:a16="http://schemas.microsoft.com/office/drawing/2014/main" id="{FCD5D9AA-36CA-24B9-EF83-2FD17BAD4398}"/>
+              </a:ext>
+            </a:extLst>
+          </p:cNvPr>
+          <p:cNvPicPr>
+            <a:picLocks noChangeAspect="1"/>
+          </p:cNvPicPr>
+          <p:nvPr/>
+        </p:nvPicPr>
+        <p:blipFill rotWithShape="1">
+          <a:blip r:embed="rId3"/>
+          <a:srcRect l="4721" t="17757" r="3454" b="14421"/>
+          <a:stretch/>
+        </p:blipFill>
+        <p:spPr>
+          <a:xfrm>
+            <a:off x="431801" y="2648310"/>
+            <a:ext cx="8396466" cy="2191109"/>
+          </a:xfrm>
+          <a:prstGeom prst="rect">
+            <a:avLst/>
+          </a:prstGeom>
+          <a:ln w="12700">
+            <a:solidFill>
+              <a:srgbClr val="DA1F2B"/>
+            </a:solidFill>
+          </a:ln>
+        </p:spPr>
+      </p:pic>
+      <p:pic>
+        <p:nvPicPr>
+          <p:cNvPr id="14" name="Picture 13">
+            <a:extLst>
+              <a:ext uri="{FF2B5EF4-FFF2-40B4-BE49-F238E27FC236}">
+                <a16:creationId xmlns:a16="http://schemas.microsoft.com/office/drawing/2014/main" id="{A2F51117-8CF4-99B9-9A69-DC5CA7FBDAC2}"/>
+              </a:ext>
+            </a:extLst>
+          </p:cNvPr>
+          <p:cNvPicPr>
+            <a:picLocks noChangeAspect="1"/>
+          </p:cNvPicPr>
+          <p:nvPr/>
+        </p:nvPicPr>
+        <p:blipFill rotWithShape="1">
+          <a:blip r:embed="rId4"/>
+          <a:srcRect l="3439" t="13420" r="4735" b="28772"/>
+          <a:stretch/>
+        </p:blipFill>
+        <p:spPr>
+          <a:xfrm>
+            <a:off x="431799" y="4947152"/>
+            <a:ext cx="8396467" cy="1720516"/>
+          </a:xfrm>
+          <a:prstGeom prst="rect">
+            <a:avLst/>
+          </a:prstGeom>
+          <a:ln w="12700">
+            <a:solidFill>
+              <a:srgbClr val="0099CF"/>
+            </a:solidFill>
+          </a:ln>
+        </p:spPr>
+      </p:pic>
+      <p:sp>
+        <p:nvSpPr>
+          <p:cNvPr id="21" name="Arrow: Down 20">
+            <a:extLst>
+              <a:ext uri="{FF2B5EF4-FFF2-40B4-BE49-F238E27FC236}">
+                <a16:creationId xmlns:a16="http://schemas.microsoft.com/office/drawing/2014/main" id="{4E3985F6-A299-0FFD-85CA-3CB2FD3D5E5A}"/>
+              </a:ext>
+            </a:extLst>
+          </p:cNvPr>
+          <p:cNvSpPr/>
+          <p:nvPr/>
+        </p:nvSpPr>
+        <p:spPr>
+          <a:xfrm flipH="1">
+            <a:off x="667881" y="1684020"/>
+            <a:ext cx="471480" cy="632371"/>
+          </a:xfrm>
+          <a:prstGeom prst="downArrow">
+            <a:avLst/>
+          </a:prstGeom>
+          <a:solidFill>
+            <a:srgbClr val="FF0000"/>
+          </a:solidFill>
+          <a:ln w="28575">
+            <a:noFill/>
+          </a:ln>
+        </p:spPr>
+        <p:style>
+          <a:lnRef idx="2">
+            <a:schemeClr val="accent1">
+              <a:shade val="50000"/>
+            </a:schemeClr>
+          </a:lnRef>
+          <a:fillRef idx="1">
+            <a:schemeClr val="accent1"/>
+          </a:fillRef>
+          <a:effectRef idx="0">
+            <a:schemeClr val="accent1"/>
+          </a:effectRef>
+          <a:fontRef idx="minor">
+            <a:schemeClr val="lt1"/>
+          </a:fontRef>
+        </p:style>
+        <p:txBody>
+          <a:bodyPr rtlCol="0" anchor="ctr"/>
+          <a:lstStyle/>
+          <a:p>
+            <a:pPr algn="ctr"/>
+            <a:endParaRPr lang="pt-BR"/>
+          </a:p>
+        </p:txBody>
+      </p:sp>
+      <p:sp>
+        <p:nvSpPr>
+          <p:cNvPr id="22" name="Arrow: Down 21">
+            <a:extLst>
+              <a:ext uri="{FF2B5EF4-FFF2-40B4-BE49-F238E27FC236}">
+                <a16:creationId xmlns:a16="http://schemas.microsoft.com/office/drawing/2014/main" id="{79FCE922-E971-3E07-9B39-D94BB092EF75}"/>
+              </a:ext>
+            </a:extLst>
+          </p:cNvPr>
+          <p:cNvSpPr/>
+          <p:nvPr/>
+        </p:nvSpPr>
+        <p:spPr>
+          <a:xfrm flipH="1">
+            <a:off x="1490841" y="3944729"/>
+            <a:ext cx="471480" cy="632371"/>
+          </a:xfrm>
+          <a:prstGeom prst="downArrow">
+            <a:avLst/>
+          </a:prstGeom>
+          <a:solidFill>
+            <a:srgbClr val="FF0000"/>
+          </a:solidFill>
+          <a:ln w="28575">
+            <a:noFill/>
+          </a:ln>
+        </p:spPr>
+        <p:style>
+          <a:lnRef idx="2">
+            <a:schemeClr val="accent1">
+              <a:shade val="50000"/>
+            </a:schemeClr>
+          </a:lnRef>
+          <a:fillRef idx="1">
+            <a:schemeClr val="accent1"/>
+          </a:fillRef>
+          <a:effectRef idx="0">
+            <a:schemeClr val="accent1"/>
+          </a:effectRef>
+          <a:fontRef idx="minor">
+            <a:schemeClr val="lt1"/>
+          </a:fontRef>
+        </p:style>
+        <p:txBody>
+          <a:bodyPr rtlCol="0" anchor="ctr"/>
+          <a:lstStyle/>
+          <a:p>
+            <a:pPr algn="ctr"/>
+            <a:endParaRPr lang="pt-BR"/>
+          </a:p>
+        </p:txBody>
+      </p:sp>
+      <p:sp>
+        <p:nvSpPr>
+          <p:cNvPr id="23" name="Arrow: Down 22">
+            <a:extLst>
+              <a:ext uri="{FF2B5EF4-FFF2-40B4-BE49-F238E27FC236}">
+                <a16:creationId xmlns:a16="http://schemas.microsoft.com/office/drawing/2014/main" id="{8DF82B2F-19FA-79AD-E762-7160A4875EEF}"/>
+              </a:ext>
+            </a:extLst>
+          </p:cNvPr>
+          <p:cNvSpPr/>
+          <p:nvPr/>
+        </p:nvSpPr>
+        <p:spPr>
+          <a:xfrm flipH="1">
+            <a:off x="2313801" y="5692140"/>
+            <a:ext cx="471480" cy="632371"/>
+          </a:xfrm>
+          <a:prstGeom prst="downArrow">
+            <a:avLst/>
+          </a:prstGeom>
+          <a:solidFill>
+            <a:srgbClr val="FF0000"/>
+          </a:solidFill>
+          <a:ln w="28575">
+            <a:noFill/>
+          </a:ln>
+        </p:spPr>
+        <p:style>
+          <a:lnRef idx="2">
+            <a:schemeClr val="accent1">
+              <a:shade val="50000"/>
+            </a:schemeClr>
+          </a:lnRef>
+          <a:fillRef idx="1">
+            <a:schemeClr val="accent1"/>
+          </a:fillRef>
+          <a:effectRef idx="0">
+            <a:schemeClr val="accent1"/>
+          </a:effectRef>
+          <a:fontRef idx="minor">
+            <a:schemeClr val="lt1"/>
+          </a:fontRef>
+        </p:style>
+        <p:txBody>
+          <a:bodyPr rtlCol="0" anchor="ctr"/>
+          <a:lstStyle/>
+          <a:p>
+            <a:pPr algn="ctr"/>
+            <a:endParaRPr lang="pt-BR"/>
           </a:p>
         </p:txBody>
       </p:sp>
@@ -5674,6 +6711,400 @@
     <p:extLst>
       <p:ext uri="{BB962C8B-B14F-4D97-AF65-F5344CB8AC3E}">
         <p14:creationId xmlns:p14="http://schemas.microsoft.com/office/powerpoint/2010/main" val="1727022322"/>
+      </p:ext>
+    </p:extLst>
+  </p:cSld>
+  <p:clrMapOvr>
+    <a:masterClrMapping/>
+  </p:clrMapOvr>
+</p:sld>
+</file>
+
+<file path=ppt/slides/slide9.xml><?xml version="1.0" encoding="utf-8"?>
+<p:sld xmlns:a="http://schemas.openxmlformats.org/drawingml/2006/main" xmlns:r="http://schemas.openxmlformats.org/officeDocument/2006/relationships" xmlns:p="http://schemas.openxmlformats.org/presentationml/2006/main">
+  <p:cSld>
+    <p:spTree>
+      <p:nvGrpSpPr>
+        <p:cNvPr id="1" name=""/>
+        <p:cNvGrpSpPr/>
+        <p:nvPr/>
+      </p:nvGrpSpPr>
+      <p:grpSpPr>
+        <a:xfrm>
+          <a:off x="0" y="0"/>
+          <a:ext cx="0" cy="0"/>
+          <a:chOff x="0" y="0"/>
+          <a:chExt cx="0" cy="0"/>
+        </a:xfrm>
+      </p:grpSpPr>
+      <p:sp>
+        <p:nvSpPr>
+          <p:cNvPr id="5" name="TextBox 4">
+            <a:extLst>
+              <a:ext uri="{FF2B5EF4-FFF2-40B4-BE49-F238E27FC236}">
+                <a16:creationId xmlns:a16="http://schemas.microsoft.com/office/drawing/2014/main" id="{8AE687A2-A2BF-C00F-C459-B509169FA77F}"/>
+              </a:ext>
+            </a:extLst>
+          </p:cNvPr>
+          <p:cNvSpPr txBox="1"/>
+          <p:nvPr/>
+        </p:nvSpPr>
+        <p:spPr>
+          <a:xfrm>
+            <a:off x="216568" y="302476"/>
+            <a:ext cx="8710864" cy="461665"/>
+          </a:xfrm>
+          <a:prstGeom prst="rect">
+            <a:avLst/>
+          </a:prstGeom>
+          <a:noFill/>
+        </p:spPr>
+        <p:txBody>
+          <a:bodyPr wrap="square">
+            <a:spAutoFit/>
+          </a:bodyPr>
+          <a:lstStyle/>
+          <a:p>
+            <a:pPr algn="ctr"/>
+            <a:r>
+              <a:rPr lang="pt-BR" sz="2400" dirty="0"/>
+              <a:t>Como realizar a busca avançada</a:t>
+            </a:r>
+            <a:endParaRPr lang="pt-BR" sz="2400" i="1" dirty="0"/>
+          </a:p>
+        </p:txBody>
+      </p:sp>
+      <p:pic>
+        <p:nvPicPr>
+          <p:cNvPr id="6" name="Picture 5">
+            <a:extLst>
+              <a:ext uri="{FF2B5EF4-FFF2-40B4-BE49-F238E27FC236}">
+                <a16:creationId xmlns:a16="http://schemas.microsoft.com/office/drawing/2014/main" id="{532B9B63-408F-0E07-C174-EDEAC3E6BA39}"/>
+              </a:ext>
+            </a:extLst>
+          </p:cNvPr>
+          <p:cNvPicPr>
+            <a:picLocks noChangeAspect="1"/>
+          </p:cNvPicPr>
+          <p:nvPr/>
+        </p:nvPicPr>
+        <p:blipFill>
+          <a:blip r:embed="rId2"/>
+          <a:stretch>
+            <a:fillRect/>
+          </a:stretch>
+        </p:blipFill>
+        <p:spPr>
+          <a:xfrm>
+            <a:off x="0" y="1211263"/>
+            <a:ext cx="9144000" cy="5143500"/>
+          </a:xfrm>
+          <a:prstGeom prst="rect">
+            <a:avLst/>
+          </a:prstGeom>
+        </p:spPr>
+      </p:pic>
+      <p:pic>
+        <p:nvPicPr>
+          <p:cNvPr id="15" name="Picture 14">
+            <a:extLst>
+              <a:ext uri="{FF2B5EF4-FFF2-40B4-BE49-F238E27FC236}">
+                <a16:creationId xmlns:a16="http://schemas.microsoft.com/office/drawing/2014/main" id="{0FC78A2A-3C6B-A818-5324-EA542C197646}"/>
+              </a:ext>
+            </a:extLst>
+          </p:cNvPr>
+          <p:cNvPicPr>
+            <a:picLocks noChangeAspect="1"/>
+          </p:cNvPicPr>
+          <p:nvPr/>
+        </p:nvPicPr>
+        <p:blipFill rotWithShape="1">
+          <a:blip r:embed="rId3"/>
+          <a:srcRect l="76083"/>
+          <a:stretch/>
+        </p:blipFill>
+        <p:spPr>
+          <a:xfrm>
+            <a:off x="6957060" y="1211263"/>
+            <a:ext cx="2186940" cy="5143500"/>
+          </a:xfrm>
+          <a:prstGeom prst="rect">
+            <a:avLst/>
+          </a:prstGeom>
+        </p:spPr>
+      </p:pic>
+      <p:pic>
+        <p:nvPicPr>
+          <p:cNvPr id="17" name="Picture 16">
+            <a:extLst>
+              <a:ext uri="{FF2B5EF4-FFF2-40B4-BE49-F238E27FC236}">
+                <a16:creationId xmlns:a16="http://schemas.microsoft.com/office/drawing/2014/main" id="{7AD87044-8A2E-9BD4-632D-98979CC8BF11}"/>
+              </a:ext>
+            </a:extLst>
+          </p:cNvPr>
+          <p:cNvPicPr>
+            <a:picLocks noChangeAspect="1"/>
+          </p:cNvPicPr>
+          <p:nvPr/>
+        </p:nvPicPr>
+        <p:blipFill rotWithShape="1">
+          <a:blip r:embed="rId4"/>
+          <a:srcRect l="9965" t="32960" r="10908" b="31047"/>
+          <a:stretch/>
+        </p:blipFill>
+        <p:spPr>
+          <a:xfrm>
+            <a:off x="2875604" y="4510340"/>
+            <a:ext cx="6163621" cy="1577104"/>
+          </a:xfrm>
+          <a:prstGeom prst="rect">
+            <a:avLst/>
+          </a:prstGeom>
+          <a:ln w="19050">
+            <a:solidFill>
+              <a:schemeClr val="bg2">
+                <a:lumMod val="75000"/>
+              </a:schemeClr>
+            </a:solidFill>
+          </a:ln>
+        </p:spPr>
+      </p:pic>
+      <p:pic>
+        <p:nvPicPr>
+          <p:cNvPr id="18" name="Picture 17">
+            <a:extLst>
+              <a:ext uri="{FF2B5EF4-FFF2-40B4-BE49-F238E27FC236}">
+                <a16:creationId xmlns:a16="http://schemas.microsoft.com/office/drawing/2014/main" id="{0B92EF5F-BE5F-2E3E-6710-D344C6C6F176}"/>
+              </a:ext>
+            </a:extLst>
+          </p:cNvPr>
+          <p:cNvPicPr>
+            <a:picLocks noChangeAspect="1"/>
+          </p:cNvPicPr>
+          <p:nvPr/>
+        </p:nvPicPr>
+        <p:blipFill rotWithShape="1">
+          <a:blip r:embed="rId5"/>
+          <a:srcRect l="5327" t="49165" r="50408" b="15932"/>
+          <a:stretch/>
+        </p:blipFill>
+        <p:spPr>
+          <a:xfrm>
+            <a:off x="3112137" y="5179909"/>
+            <a:ext cx="4938393" cy="1375615"/>
+          </a:xfrm>
+          <a:prstGeom prst="rect">
+            <a:avLst/>
+          </a:prstGeom>
+          <a:ln w="19050">
+            <a:solidFill>
+              <a:schemeClr val="bg2">
+                <a:lumMod val="75000"/>
+              </a:schemeClr>
+            </a:solidFill>
+          </a:ln>
+        </p:spPr>
+      </p:pic>
+      <p:pic>
+        <p:nvPicPr>
+          <p:cNvPr id="19" name="Graphic 18">
+            <a:hlinkClick r:id="rId6"/>
+            <a:extLst>
+              <a:ext uri="{FF2B5EF4-FFF2-40B4-BE49-F238E27FC236}">
+                <a16:creationId xmlns:a16="http://schemas.microsoft.com/office/drawing/2014/main" id="{7FCF82C5-0442-0EC4-DC03-A4393A8F74E7}"/>
+              </a:ext>
+            </a:extLst>
+          </p:cNvPr>
+          <p:cNvPicPr>
+            <a:picLocks noChangeAspect="1"/>
+          </p:cNvPicPr>
+          <p:nvPr/>
+        </p:nvPicPr>
+        <p:blipFill>
+          <a:blip r:embed="rId7">
+            <a:extLst>
+              <a:ext uri="{28A0092B-C50C-407E-A947-70E740481C1C}">
+                <a14:useLocalDpi xmlns:a14="http://schemas.microsoft.com/office/drawing/2010/main" val="0"/>
+              </a:ext>
+              <a:ext uri="{96DAC541-7B7A-43D3-8B79-37D633B846F1}">
+                <asvg:svgBlip xmlns:asvg="http://schemas.microsoft.com/office/drawing/2016/SVG/main" r:embed="rId8"/>
+              </a:ext>
+            </a:extLst>
+          </a:blip>
+          <a:stretch>
+            <a:fillRect/>
+          </a:stretch>
+        </p:blipFill>
+        <p:spPr>
+          <a:xfrm>
+            <a:off x="7506482" y="200652"/>
+            <a:ext cx="1440000" cy="512000"/>
+          </a:xfrm>
+          <a:prstGeom prst="rect">
+            <a:avLst/>
+          </a:prstGeom>
+        </p:spPr>
+      </p:pic>
+      <p:sp>
+        <p:nvSpPr>
+          <p:cNvPr id="20" name="Arrow: Down 19">
+            <a:extLst>
+              <a:ext uri="{FF2B5EF4-FFF2-40B4-BE49-F238E27FC236}">
+                <a16:creationId xmlns:a16="http://schemas.microsoft.com/office/drawing/2014/main" id="{D3EE0832-302B-081B-9DE1-791E606738BD}"/>
+              </a:ext>
+            </a:extLst>
+          </p:cNvPr>
+          <p:cNvSpPr/>
+          <p:nvPr/>
+        </p:nvSpPr>
+        <p:spPr>
+          <a:xfrm rot="16200000" flipH="1">
+            <a:off x="428565" y="5433573"/>
+            <a:ext cx="471480" cy="632371"/>
+          </a:xfrm>
+          <a:prstGeom prst="downArrow">
+            <a:avLst/>
+          </a:prstGeom>
+          <a:solidFill>
+            <a:srgbClr val="FF0000"/>
+          </a:solidFill>
+          <a:ln w="28575">
+            <a:noFill/>
+          </a:ln>
+        </p:spPr>
+        <p:style>
+          <a:lnRef idx="2">
+            <a:schemeClr val="accent1">
+              <a:shade val="50000"/>
+            </a:schemeClr>
+          </a:lnRef>
+          <a:fillRef idx="1">
+            <a:schemeClr val="accent1"/>
+          </a:fillRef>
+          <a:effectRef idx="0">
+            <a:schemeClr val="accent1"/>
+          </a:effectRef>
+          <a:fontRef idx="minor">
+            <a:schemeClr val="lt1"/>
+          </a:fontRef>
+        </p:style>
+        <p:txBody>
+          <a:bodyPr rtlCol="0" anchor="ctr"/>
+          <a:lstStyle/>
+          <a:p>
+            <a:pPr algn="ctr"/>
+            <a:endParaRPr lang="pt-BR"/>
+          </a:p>
+        </p:txBody>
+      </p:sp>
+      <p:sp>
+        <p:nvSpPr>
+          <p:cNvPr id="21" name="Arrow: Down 20">
+            <a:extLst>
+              <a:ext uri="{FF2B5EF4-FFF2-40B4-BE49-F238E27FC236}">
+                <a16:creationId xmlns:a16="http://schemas.microsoft.com/office/drawing/2014/main" id="{8853323B-EBE7-4400-0D43-C52E1182BE06}"/>
+              </a:ext>
+            </a:extLst>
+          </p:cNvPr>
+          <p:cNvSpPr/>
+          <p:nvPr/>
+        </p:nvSpPr>
+        <p:spPr>
+          <a:xfrm rot="5400000" flipH="1">
+            <a:off x="8188325" y="3499113"/>
+            <a:ext cx="471480" cy="632371"/>
+          </a:xfrm>
+          <a:prstGeom prst="downArrow">
+            <a:avLst/>
+          </a:prstGeom>
+          <a:solidFill>
+            <a:srgbClr val="FF0000"/>
+          </a:solidFill>
+          <a:ln w="28575">
+            <a:noFill/>
+          </a:ln>
+        </p:spPr>
+        <p:style>
+          <a:lnRef idx="2">
+            <a:schemeClr val="accent1">
+              <a:shade val="50000"/>
+            </a:schemeClr>
+          </a:lnRef>
+          <a:fillRef idx="1">
+            <a:schemeClr val="accent1"/>
+          </a:fillRef>
+          <a:effectRef idx="0">
+            <a:schemeClr val="accent1"/>
+          </a:effectRef>
+          <a:fontRef idx="minor">
+            <a:schemeClr val="lt1"/>
+          </a:fontRef>
+        </p:style>
+        <p:txBody>
+          <a:bodyPr rtlCol="0" anchor="ctr"/>
+          <a:lstStyle/>
+          <a:p>
+            <a:pPr algn="ctr"/>
+            <a:endParaRPr lang="pt-BR"/>
+          </a:p>
+        </p:txBody>
+      </p:sp>
+      <p:sp>
+        <p:nvSpPr>
+          <p:cNvPr id="24" name="Arrow: Down 23">
+            <a:extLst>
+              <a:ext uri="{FF2B5EF4-FFF2-40B4-BE49-F238E27FC236}">
+                <a16:creationId xmlns:a16="http://schemas.microsoft.com/office/drawing/2014/main" id="{021C9DE5-80A0-6AE0-2621-87A37193D103}"/>
+              </a:ext>
+            </a:extLst>
+          </p:cNvPr>
+          <p:cNvSpPr/>
+          <p:nvPr/>
+        </p:nvSpPr>
+        <p:spPr>
+          <a:xfrm rot="5400000" flipH="1">
+            <a:off x="7714024" y="5448678"/>
+            <a:ext cx="471480" cy="632371"/>
+          </a:xfrm>
+          <a:prstGeom prst="downArrow">
+            <a:avLst/>
+          </a:prstGeom>
+          <a:solidFill>
+            <a:srgbClr val="FF0000"/>
+          </a:solidFill>
+          <a:ln w="28575">
+            <a:noFill/>
+          </a:ln>
+        </p:spPr>
+        <p:style>
+          <a:lnRef idx="2">
+            <a:schemeClr val="accent1">
+              <a:shade val="50000"/>
+            </a:schemeClr>
+          </a:lnRef>
+          <a:fillRef idx="1">
+            <a:schemeClr val="accent1"/>
+          </a:fillRef>
+          <a:effectRef idx="0">
+            <a:schemeClr val="accent1"/>
+          </a:effectRef>
+          <a:fontRef idx="minor">
+            <a:schemeClr val="lt1"/>
+          </a:fontRef>
+        </p:style>
+        <p:txBody>
+          <a:bodyPr rtlCol="0" anchor="ctr"/>
+          <a:lstStyle/>
+          <a:p>
+            <a:pPr algn="ctr"/>
+            <a:endParaRPr lang="pt-BR"/>
+          </a:p>
+        </p:txBody>
+      </p:sp>
+    </p:spTree>
+    <p:extLst>
+      <p:ext uri="{BB962C8B-B14F-4D97-AF65-F5344CB8AC3E}">
+        <p14:creationId xmlns:p14="http://schemas.microsoft.com/office/powerpoint/2010/main" val="1479523695"/>
       </p:ext>
     </p:extLst>
   </p:cSld>

--- a/slides/informatica_tcc.pptx
+++ b/slides/informatica_tcc.pptx
@@ -2,22 +2,22 @@
 <file path=ppt/presentation.xml><?xml version="1.0" encoding="utf-8"?>
 <p:presentation xmlns:a="http://schemas.openxmlformats.org/drawingml/2006/main" xmlns:r="http://schemas.openxmlformats.org/officeDocument/2006/relationships" xmlns:p="http://schemas.openxmlformats.org/presentationml/2006/main" saveSubsetFonts="1">
   <p:sldMasterIdLst>
-    <p:sldMasterId id="2147483696" r:id="rId1"/>
+    <p:sldMasterId id="2147483696" r:id="rId3"/>
   </p:sldMasterIdLst>
   <p:sldIdLst>
-    <p:sldId id="256" r:id="rId2"/>
-    <p:sldId id="257" r:id="rId3"/>
-    <p:sldId id="258" r:id="rId4"/>
-    <p:sldId id="259" r:id="rId5"/>
-    <p:sldId id="266" r:id="rId6"/>
-    <p:sldId id="265" r:id="rId7"/>
-    <p:sldId id="263" r:id="rId8"/>
-    <p:sldId id="264" r:id="rId9"/>
-    <p:sldId id="272" r:id="rId10"/>
-    <p:sldId id="273" r:id="rId11"/>
-    <p:sldId id="276" r:id="rId12"/>
-    <p:sldId id="277" r:id="rId13"/>
-    <p:sldId id="278" r:id="rId14"/>
+    <p:sldId id="256" r:id="rId4"/>
+    <p:sldId id="257" r:id="rId5"/>
+    <p:sldId id="258" r:id="rId6"/>
+    <p:sldId id="259" r:id="rId7"/>
+    <p:sldId id="266" r:id="rId8"/>
+    <p:sldId id="265" r:id="rId9"/>
+    <p:sldId id="263" r:id="rId10"/>
+    <p:sldId id="264" r:id="rId11"/>
+    <p:sldId id="272" r:id="rId12"/>
+    <p:sldId id="276" r:id="rId13"/>
+    <p:sldId id="279" r:id="rId14"/>
+    <p:sldId id="277" r:id="rId15"/>
+    <p:sldId id="278" r:id="rId16"/>
   </p:sldIdLst>
   <p:sldSz cx="9144000" cy="6858000" type="screen4x3"/>
   <p:notesSz cx="6858000" cy="9144000"/>
@@ -133,6 +133,238 @@
     </p:ext>
   </p:extLst>
 </p:presentation>
+</file>
+
+<file path=ppt/revisionInfo.xml><?xml version="1.0" encoding="utf-8"?>
+<p1510:revInfo xmlns:a="http://schemas.openxmlformats.org/drawingml/2006/main" xmlns:r="http://schemas.openxmlformats.org/officeDocument/2006/relationships" xmlns:p1510="http://schemas.microsoft.com/office/powerpoint/2015/10/main">
+  <p1510:revLst>
+    <p1510:client id="{BA26151D-3231-4F99-843C-8FEBCDF61901}" v="15" dt="2022-10-15T00:15:07.349"/>
+  </p1510:revLst>
+</p1510:revInfo>
+</file>
+
+<file path=ppt/changesInfos/changesInfo1.xml><?xml version="1.0" encoding="utf-8"?>
+<pc:chgInfo xmlns:a="http://schemas.openxmlformats.org/drawingml/2006/main" xmlns:r="http://schemas.openxmlformats.org/officeDocument/2006/relationships" xmlns:ac="http://schemas.microsoft.com/office/drawing/2013/main/command" xmlns:pc="http://schemas.microsoft.com/office/powerpoint/2013/main/command">
+  <pc:docChgLst>
+    <pc:chgData name="Laise Eduarda Paixão de Moraes" userId="ed9e5288-1c22-4d51-b69f-ec30695ef7d2" providerId="ADAL" clId="{BA26151D-3231-4F99-843C-8FEBCDF61901}"/>
+    <pc:docChg chg="undo custSel addSld delSld modSld">
+      <pc:chgData name="Laise Eduarda Paixão de Moraes" userId="ed9e5288-1c22-4d51-b69f-ec30695ef7d2" providerId="ADAL" clId="{BA26151D-3231-4F99-843C-8FEBCDF61901}" dt="2022-10-15T07:07:14.850" v="223" actId="680"/>
+      <pc:docMkLst>
+        <pc:docMk/>
+      </pc:docMkLst>
+      <pc:sldChg chg="modSp mod">
+        <pc:chgData name="Laise Eduarda Paixão de Moraes" userId="ed9e5288-1c22-4d51-b69f-ec30695ef7d2" providerId="ADAL" clId="{BA26151D-3231-4F99-843C-8FEBCDF61901}" dt="2022-10-14T23:56:18.476" v="14" actId="20577"/>
+        <pc:sldMkLst>
+          <pc:docMk/>
+          <pc:sldMk cId="178807129" sldId="256"/>
+        </pc:sldMkLst>
+        <pc:spChg chg="mod">
+          <ac:chgData name="Laise Eduarda Paixão de Moraes" userId="ed9e5288-1c22-4d51-b69f-ec30695ef7d2" providerId="ADAL" clId="{BA26151D-3231-4F99-843C-8FEBCDF61901}" dt="2022-10-14T23:56:18.476" v="14" actId="20577"/>
+          <ac:spMkLst>
+            <pc:docMk/>
+            <pc:sldMk cId="178807129" sldId="256"/>
+            <ac:spMk id="11" creationId="{8F15D0B2-83B1-FC1B-5F2A-6FAD1313F97C}"/>
+          </ac:spMkLst>
+        </pc:spChg>
+      </pc:sldChg>
+      <pc:sldChg chg="addSp modSp mod">
+        <pc:chgData name="Laise Eduarda Paixão de Moraes" userId="ed9e5288-1c22-4d51-b69f-ec30695ef7d2" providerId="ADAL" clId="{BA26151D-3231-4F99-843C-8FEBCDF61901}" dt="2022-10-15T00:05:48.543" v="109" actId="207"/>
+        <pc:sldMkLst>
+          <pc:docMk/>
+          <pc:sldMk cId="1479523695" sldId="272"/>
+        </pc:sldMkLst>
+        <pc:spChg chg="add mod">
+          <ac:chgData name="Laise Eduarda Paixão de Moraes" userId="ed9e5288-1c22-4d51-b69f-ec30695ef7d2" providerId="ADAL" clId="{BA26151D-3231-4F99-843C-8FEBCDF61901}" dt="2022-10-15T00:05:48.543" v="109" actId="207"/>
+          <ac:spMkLst>
+            <pc:docMk/>
+            <pc:sldMk cId="1479523695" sldId="272"/>
+            <ac:spMk id="3" creationId="{5D300B7A-07E8-BC88-F7CF-1B8C5F985FB4}"/>
+          </ac:spMkLst>
+        </pc:spChg>
+        <pc:spChg chg="add mod">
+          <ac:chgData name="Laise Eduarda Paixão de Moraes" userId="ed9e5288-1c22-4d51-b69f-ec30695ef7d2" providerId="ADAL" clId="{BA26151D-3231-4F99-843C-8FEBCDF61901}" dt="2022-10-15T00:05:48.543" v="109" actId="207"/>
+          <ac:spMkLst>
+            <pc:docMk/>
+            <pc:sldMk cId="1479523695" sldId="272"/>
+            <ac:spMk id="4" creationId="{DC571691-611A-25B2-FFEE-0CD8FA233225}"/>
+          </ac:spMkLst>
+        </pc:spChg>
+        <pc:spChg chg="add mod">
+          <ac:chgData name="Laise Eduarda Paixão de Moraes" userId="ed9e5288-1c22-4d51-b69f-ec30695ef7d2" providerId="ADAL" clId="{BA26151D-3231-4F99-843C-8FEBCDF61901}" dt="2022-10-15T00:02:52.252" v="71" actId="1037"/>
+          <ac:spMkLst>
+            <pc:docMk/>
+            <pc:sldMk cId="1479523695" sldId="272"/>
+            <ac:spMk id="7" creationId="{A442AE57-72B3-89F6-1E65-77C27500EF42}"/>
+          </ac:spMkLst>
+        </pc:spChg>
+        <pc:spChg chg="add mod">
+          <ac:chgData name="Laise Eduarda Paixão de Moraes" userId="ed9e5288-1c22-4d51-b69f-ec30695ef7d2" providerId="ADAL" clId="{BA26151D-3231-4F99-843C-8FEBCDF61901}" dt="2022-10-15T00:05:48.543" v="109" actId="207"/>
+          <ac:spMkLst>
+            <pc:docMk/>
+            <pc:sldMk cId="1479523695" sldId="272"/>
+            <ac:spMk id="8" creationId="{9947FBBF-BB41-84A7-3B0A-9D117E5F2642}"/>
+          </ac:spMkLst>
+        </pc:spChg>
+        <pc:spChg chg="add mod">
+          <ac:chgData name="Laise Eduarda Paixão de Moraes" userId="ed9e5288-1c22-4d51-b69f-ec30695ef7d2" providerId="ADAL" clId="{BA26151D-3231-4F99-843C-8FEBCDF61901}" dt="2022-10-15T00:05:48.543" v="109" actId="207"/>
+          <ac:spMkLst>
+            <pc:docMk/>
+            <pc:sldMk cId="1479523695" sldId="272"/>
+            <ac:spMk id="9" creationId="{09BFB850-E0A7-4749-ACDE-F2BB8A708ECD}"/>
+          </ac:spMkLst>
+        </pc:spChg>
+        <pc:picChg chg="mod">
+          <ac:chgData name="Laise Eduarda Paixão de Moraes" userId="ed9e5288-1c22-4d51-b69f-ec30695ef7d2" providerId="ADAL" clId="{BA26151D-3231-4F99-843C-8FEBCDF61901}" dt="2022-10-15T00:04:25.405" v="95" actId="1076"/>
+          <ac:picMkLst>
+            <pc:docMk/>
+            <pc:sldMk cId="1479523695" sldId="272"/>
+            <ac:picMk id="18" creationId="{0B92EF5F-BE5F-2E3E-6710-D344C6C6F176}"/>
+          </ac:picMkLst>
+        </pc:picChg>
+      </pc:sldChg>
+      <pc:sldChg chg="delSp del mod">
+        <pc:chgData name="Laise Eduarda Paixão de Moraes" userId="ed9e5288-1c22-4d51-b69f-ec30695ef7d2" providerId="ADAL" clId="{BA26151D-3231-4F99-843C-8FEBCDF61901}" dt="2022-10-15T00:06:43.214" v="111" actId="47"/>
+        <pc:sldMkLst>
+          <pc:docMk/>
+          <pc:sldMk cId="2138057422" sldId="273"/>
+        </pc:sldMkLst>
+        <pc:spChg chg="del">
+          <ac:chgData name="Laise Eduarda Paixão de Moraes" userId="ed9e5288-1c22-4d51-b69f-ec30695ef7d2" providerId="ADAL" clId="{BA26151D-3231-4F99-843C-8FEBCDF61901}" dt="2022-10-15T00:06:26.536" v="110" actId="478"/>
+          <ac:spMkLst>
+            <pc:docMk/>
+            <pc:sldMk cId="2138057422" sldId="273"/>
+            <ac:spMk id="12" creationId="{0FEADBD2-82FE-23EF-A9F3-D6ACAF91EC06}"/>
+          </ac:spMkLst>
+        </pc:spChg>
+      </pc:sldChg>
+      <pc:sldChg chg="addSp delSp modSp mod">
+        <pc:chgData name="Laise Eduarda Paixão de Moraes" userId="ed9e5288-1c22-4d51-b69f-ec30695ef7d2" providerId="ADAL" clId="{BA26151D-3231-4F99-843C-8FEBCDF61901}" dt="2022-10-15T00:15:31.316" v="221" actId="478"/>
+        <pc:sldMkLst>
+          <pc:docMk/>
+          <pc:sldMk cId="1440160715" sldId="276"/>
+        </pc:sldMkLst>
+        <pc:spChg chg="add mod">
+          <ac:chgData name="Laise Eduarda Paixão de Moraes" userId="ed9e5288-1c22-4d51-b69f-ec30695ef7d2" providerId="ADAL" clId="{BA26151D-3231-4F99-843C-8FEBCDF61901}" dt="2022-10-15T00:14:32.965" v="214" actId="207"/>
+          <ac:spMkLst>
+            <pc:docMk/>
+            <pc:sldMk cId="1440160715" sldId="276"/>
+            <ac:spMk id="2" creationId="{4634C996-465D-FC34-C2B8-49C519298905}"/>
+          </ac:spMkLst>
+        </pc:spChg>
+        <pc:spChg chg="add mod">
+          <ac:chgData name="Laise Eduarda Paixão de Moraes" userId="ed9e5288-1c22-4d51-b69f-ec30695ef7d2" providerId="ADAL" clId="{BA26151D-3231-4F99-843C-8FEBCDF61901}" dt="2022-10-15T00:14:32.965" v="214" actId="207"/>
+          <ac:spMkLst>
+            <pc:docMk/>
+            <pc:sldMk cId="1440160715" sldId="276"/>
+            <ac:spMk id="3" creationId="{2C08E6D2-69CB-291A-5971-6F245B176F80}"/>
+          </ac:spMkLst>
+        </pc:spChg>
+        <pc:spChg chg="add mod">
+          <ac:chgData name="Laise Eduarda Paixão de Moraes" userId="ed9e5288-1c22-4d51-b69f-ec30695ef7d2" providerId="ADAL" clId="{BA26151D-3231-4F99-843C-8FEBCDF61901}" dt="2022-10-15T00:10:24.971" v="158" actId="1076"/>
+          <ac:spMkLst>
+            <pc:docMk/>
+            <pc:sldMk cId="1440160715" sldId="276"/>
+            <ac:spMk id="4" creationId="{9ACD61BB-3285-D10F-8357-0A40063CB3E5}"/>
+          </ac:spMkLst>
+        </pc:spChg>
+        <pc:spChg chg="add mod">
+          <ac:chgData name="Laise Eduarda Paixão de Moraes" userId="ed9e5288-1c22-4d51-b69f-ec30695ef7d2" providerId="ADAL" clId="{BA26151D-3231-4F99-843C-8FEBCDF61901}" dt="2022-10-15T00:15:21.492" v="220" actId="1076"/>
+          <ac:spMkLst>
+            <pc:docMk/>
+            <pc:sldMk cId="1440160715" sldId="276"/>
+            <ac:spMk id="6" creationId="{701BC0D5-87FD-AC81-037F-18E6DF7B646A}"/>
+          </ac:spMkLst>
+        </pc:spChg>
+        <pc:spChg chg="add del mod">
+          <ac:chgData name="Laise Eduarda Paixão de Moraes" userId="ed9e5288-1c22-4d51-b69f-ec30695ef7d2" providerId="ADAL" clId="{BA26151D-3231-4F99-843C-8FEBCDF61901}" dt="2022-10-15T00:14:52.318" v="215" actId="478"/>
+          <ac:spMkLst>
+            <pc:docMk/>
+            <pc:sldMk cId="1440160715" sldId="276"/>
+            <ac:spMk id="7" creationId="{87F3D840-029E-B4E9-0170-3C64E3494902}"/>
+          </ac:spMkLst>
+        </pc:spChg>
+        <pc:spChg chg="add mod">
+          <ac:chgData name="Laise Eduarda Paixão de Moraes" userId="ed9e5288-1c22-4d51-b69f-ec30695ef7d2" providerId="ADAL" clId="{BA26151D-3231-4F99-843C-8FEBCDF61901}" dt="2022-10-15T00:15:21.492" v="220" actId="1076"/>
+          <ac:spMkLst>
+            <pc:docMk/>
+            <pc:sldMk cId="1440160715" sldId="276"/>
+            <ac:spMk id="8" creationId="{8953B636-5F3B-F82B-2885-B935A5674097}"/>
+          </ac:spMkLst>
+        </pc:spChg>
+        <pc:spChg chg="del mod">
+          <ac:chgData name="Laise Eduarda Paixão de Moraes" userId="ed9e5288-1c22-4d51-b69f-ec30695ef7d2" providerId="ADAL" clId="{BA26151D-3231-4F99-843C-8FEBCDF61901}" dt="2022-10-15T00:15:31.316" v="221" actId="478"/>
+          <ac:spMkLst>
+            <pc:docMk/>
+            <pc:sldMk cId="1440160715" sldId="276"/>
+            <ac:spMk id="35" creationId="{3C671486-5C51-38AA-5B26-82A1F224DE2D}"/>
+          </ac:spMkLst>
+        </pc:spChg>
+        <pc:spChg chg="mod">
+          <ac:chgData name="Laise Eduarda Paixão de Moraes" userId="ed9e5288-1c22-4d51-b69f-ec30695ef7d2" providerId="ADAL" clId="{BA26151D-3231-4F99-843C-8FEBCDF61901}" dt="2022-10-15T00:10:09.831" v="153" actId="1036"/>
+          <ac:spMkLst>
+            <pc:docMk/>
+            <pc:sldMk cId="1440160715" sldId="276"/>
+            <ac:spMk id="38" creationId="{404063C6-445D-92EE-7627-6CCBAFECCEA7}"/>
+          </ac:spMkLst>
+        </pc:spChg>
+        <pc:picChg chg="mod">
+          <ac:chgData name="Laise Eduarda Paixão de Moraes" userId="ed9e5288-1c22-4d51-b69f-ec30695ef7d2" providerId="ADAL" clId="{BA26151D-3231-4F99-843C-8FEBCDF61901}" dt="2022-10-15T00:10:43.573" v="161" actId="1076"/>
+          <ac:picMkLst>
+            <pc:docMk/>
+            <pc:sldMk cId="1440160715" sldId="276"/>
+            <ac:picMk id="16" creationId="{6E1D8AAA-142C-A093-7725-BB85B2DE40C0}"/>
+          </ac:picMkLst>
+        </pc:picChg>
+        <pc:picChg chg="mod">
+          <ac:chgData name="Laise Eduarda Paixão de Moraes" userId="ed9e5288-1c22-4d51-b69f-ec30695ef7d2" providerId="ADAL" clId="{BA26151D-3231-4F99-843C-8FEBCDF61901}" dt="2022-10-15T00:10:09.831" v="153" actId="1036"/>
+          <ac:picMkLst>
+            <pc:docMk/>
+            <pc:sldMk cId="1440160715" sldId="276"/>
+            <ac:picMk id="25" creationId="{1C98D622-957E-78C7-F430-8EC666E41FC2}"/>
+          </ac:picMkLst>
+        </pc:picChg>
+        <pc:picChg chg="mod">
+          <ac:chgData name="Laise Eduarda Paixão de Moraes" userId="ed9e5288-1c22-4d51-b69f-ec30695ef7d2" providerId="ADAL" clId="{BA26151D-3231-4F99-843C-8FEBCDF61901}" dt="2022-10-15T00:10:09.831" v="153" actId="1036"/>
+          <ac:picMkLst>
+            <pc:docMk/>
+            <pc:sldMk cId="1440160715" sldId="276"/>
+            <ac:picMk id="32" creationId="{12AAC570-7CA4-3727-9200-8902A8855039}"/>
+          </ac:picMkLst>
+        </pc:picChg>
+        <pc:picChg chg="mod">
+          <ac:chgData name="Laise Eduarda Paixão de Moraes" userId="ed9e5288-1c22-4d51-b69f-ec30695ef7d2" providerId="ADAL" clId="{BA26151D-3231-4F99-843C-8FEBCDF61901}" dt="2022-10-15T00:12:01.668" v="189" actId="1076"/>
+          <ac:picMkLst>
+            <pc:docMk/>
+            <pc:sldMk cId="1440160715" sldId="276"/>
+            <ac:picMk id="34" creationId="{8BA2B032-3527-0990-5C90-363E6965A18C}"/>
+          </ac:picMkLst>
+        </pc:picChg>
+      </pc:sldChg>
+      <pc:sldChg chg="modSp mod">
+        <pc:chgData name="Laise Eduarda Paixão de Moraes" userId="ed9e5288-1c22-4d51-b69f-ec30695ef7d2" providerId="ADAL" clId="{BA26151D-3231-4F99-843C-8FEBCDF61901}" dt="2022-10-15T00:21:07.631" v="222" actId="1076"/>
+        <pc:sldMkLst>
+          <pc:docMk/>
+          <pc:sldMk cId="467689120" sldId="277"/>
+        </pc:sldMkLst>
+        <pc:picChg chg="mod">
+          <ac:chgData name="Laise Eduarda Paixão de Moraes" userId="ed9e5288-1c22-4d51-b69f-ec30695ef7d2" providerId="ADAL" clId="{BA26151D-3231-4F99-843C-8FEBCDF61901}" dt="2022-10-15T00:21:07.631" v="222" actId="1076"/>
+          <ac:picMkLst>
+            <pc:docMk/>
+            <pc:sldMk cId="467689120" sldId="277"/>
+            <ac:picMk id="17" creationId="{6CD5F3A8-1ABD-32C9-56B3-48FA58B598C5}"/>
+          </ac:picMkLst>
+        </pc:picChg>
+      </pc:sldChg>
+      <pc:sldChg chg="new">
+        <pc:chgData name="Laise Eduarda Paixão de Moraes" userId="ed9e5288-1c22-4d51-b69f-ec30695ef7d2" providerId="ADAL" clId="{BA26151D-3231-4F99-843C-8FEBCDF61901}" dt="2022-10-15T07:07:14.850" v="223" actId="680"/>
+        <pc:sldMkLst>
+          <pc:docMk/>
+          <pc:sldMk cId="2119413663" sldId="279"/>
+        </pc:sldMkLst>
+      </pc:sldChg>
+    </pc:docChg>
+  </pc:docChgLst>
+</pc:chgInfo>
 </file>
 
 <file path=ppt/slideLayouts/slideLayout1.xml><?xml version="1.0" encoding="utf-8"?>
@@ -3474,7 +3706,20 @@
                 <a:effectLst/>
                 <a:latin typeface="-apple-system"/>
               </a:rPr>
-              <a:t>Busca de artigos no PubMed, SciELO e BVS e ferramentas do MS Word, MS Excel e Mendeley</a:t>
+              <a:t>Busca de artigos no PubMed, SciELO e BVS </a:t>
+            </a:r>
+          </a:p>
+          <a:p>
+            <a:pPr algn="ctr"/>
+            <a:r>
+              <a:rPr lang="pt-BR" sz="2400" b="0" i="0" dirty="0">
+                <a:solidFill>
+                  <a:srgbClr val="24292F"/>
+                </a:solidFill>
+                <a:effectLst/>
+                <a:latin typeface="-apple-system"/>
+              </a:rPr>
+              <a:t>Utilitários do MS Word, MS Excel e Mendeley</a:t>
             </a:r>
             <a:endParaRPr lang="pt-BR" sz="2400" dirty="0"/>
           </a:p>
@@ -3765,49 +4010,12 @@
           <a:chExt cx="0" cy="0"/>
         </a:xfrm>
       </p:grpSpPr>
-      <p:sp>
-        <p:nvSpPr>
-          <p:cNvPr id="5" name="TextBox 4">
-            <a:extLst>
-              <a:ext uri="{FF2B5EF4-FFF2-40B4-BE49-F238E27FC236}">
-                <a16:creationId xmlns:a16="http://schemas.microsoft.com/office/drawing/2014/main" id="{8AE687A2-A2BF-C00F-C459-B509169FA77F}"/>
-              </a:ext>
-            </a:extLst>
-          </p:cNvPr>
-          <p:cNvSpPr txBox="1"/>
-          <p:nvPr/>
-        </p:nvSpPr>
-        <p:spPr>
-          <a:xfrm>
-            <a:off x="216568" y="302476"/>
-            <a:ext cx="8710864" cy="461665"/>
-          </a:xfrm>
-          <a:prstGeom prst="rect">
-            <a:avLst/>
-          </a:prstGeom>
-          <a:noFill/>
-        </p:spPr>
-        <p:txBody>
-          <a:bodyPr wrap="square">
-            <a:spAutoFit/>
-          </a:bodyPr>
-          <a:lstStyle/>
-          <a:p>
-            <a:pPr algn="ctr"/>
-            <a:r>
-              <a:rPr lang="pt-BR" sz="2400" dirty="0"/>
-              <a:t>Como realizar a busca avançada</a:t>
-            </a:r>
-            <a:endParaRPr lang="pt-BR" sz="2400" i="1" dirty="0"/>
-          </a:p>
-        </p:txBody>
-      </p:sp>
       <p:pic>
         <p:nvPicPr>
-          <p:cNvPr id="6" name="Picture 5">
-            <a:extLst>
-              <a:ext uri="{FF2B5EF4-FFF2-40B4-BE49-F238E27FC236}">
-                <a16:creationId xmlns:a16="http://schemas.microsoft.com/office/drawing/2014/main" id="{F5C3CB53-C52F-8786-DBE1-AC526A710565}"/>
+          <p:cNvPr id="32" name="Picture 31">
+            <a:extLst>
+              <a:ext uri="{FF2B5EF4-FFF2-40B4-BE49-F238E27FC236}">
+                <a16:creationId xmlns:a16="http://schemas.microsoft.com/office/drawing/2014/main" id="{12AAC570-7CA4-3727-9200-8902A8855039}"/>
               </a:ext>
             </a:extLst>
           </p:cNvPr>
@@ -3816,28 +4024,64 @@
           </p:cNvPicPr>
           <p:nvPr/>
         </p:nvPicPr>
-        <p:blipFill>
+        <p:blipFill rotWithShape="1">
           <a:blip r:embed="rId2"/>
-          <a:stretch>
-            <a:fillRect/>
-          </a:stretch>
+          <a:srcRect l="14720" t="9311" r="48727" b="75257"/>
+          <a:stretch/>
         </p:blipFill>
         <p:spPr>
           <a:xfrm>
-            <a:off x="0" y="1211263"/>
-            <a:ext cx="9145600" cy="5144400"/>
+            <a:off x="0" y="5127624"/>
+            <a:ext cx="6012495" cy="1427799"/>
           </a:xfrm>
           <a:prstGeom prst="rect">
             <a:avLst/>
           </a:prstGeom>
         </p:spPr>
       </p:pic>
+      <p:sp>
+        <p:nvSpPr>
+          <p:cNvPr id="5" name="TextBox 4">
+            <a:extLst>
+              <a:ext uri="{FF2B5EF4-FFF2-40B4-BE49-F238E27FC236}">
+                <a16:creationId xmlns:a16="http://schemas.microsoft.com/office/drawing/2014/main" id="{8AE687A2-A2BF-C00F-C459-B509169FA77F}"/>
+              </a:ext>
+            </a:extLst>
+          </p:cNvPr>
+          <p:cNvSpPr txBox="1"/>
+          <p:nvPr/>
+        </p:nvSpPr>
+        <p:spPr>
+          <a:xfrm>
+            <a:off x="216568" y="302476"/>
+            <a:ext cx="8710864" cy="461665"/>
+          </a:xfrm>
+          <a:prstGeom prst="rect">
+            <a:avLst/>
+          </a:prstGeom>
+          <a:noFill/>
+        </p:spPr>
+        <p:txBody>
+          <a:bodyPr wrap="square">
+            <a:spAutoFit/>
+          </a:bodyPr>
+          <a:lstStyle/>
+          <a:p>
+            <a:pPr algn="ctr"/>
+            <a:r>
+              <a:rPr lang="pt-BR" sz="2400" dirty="0"/>
+              <a:t>Como realizar a busca avançada</a:t>
+            </a:r>
+            <a:endParaRPr lang="pt-BR" sz="2400" i="1" dirty="0"/>
+          </a:p>
+        </p:txBody>
+      </p:sp>
       <p:pic>
         <p:nvPicPr>
-          <p:cNvPr id="7" name="Picture 6">
-            <a:extLst>
-              <a:ext uri="{FF2B5EF4-FFF2-40B4-BE49-F238E27FC236}">
-                <a16:creationId xmlns:a16="http://schemas.microsoft.com/office/drawing/2014/main" id="{B87828B8-9CB9-967D-10E3-3A081AF7444A}"/>
+          <p:cNvPr id="16" name="Picture 15">
+            <a:extLst>
+              <a:ext uri="{FF2B5EF4-FFF2-40B4-BE49-F238E27FC236}">
+                <a16:creationId xmlns:a16="http://schemas.microsoft.com/office/drawing/2014/main" id="{6E1D8AAA-142C-A093-7725-BB85B2DE40C0}"/>
               </a:ext>
             </a:extLst>
           </p:cNvPr>
@@ -3848,33 +4092,25 @@
         </p:nvPicPr>
         <p:blipFill rotWithShape="1">
           <a:blip r:embed="rId3"/>
-          <a:srcRect t="3007" r="7618" b="7059"/>
+          <a:srcRect l="17830" r="17830" b="77833"/>
           <a:stretch/>
         </p:blipFill>
         <p:spPr>
           <a:xfrm>
-            <a:off x="1684487" y="4117124"/>
-            <a:ext cx="5775026" cy="2438400"/>
+            <a:off x="0" y="1164127"/>
+            <a:ext cx="6601431" cy="1279359"/>
           </a:xfrm>
           <a:prstGeom prst="rect">
             <a:avLst/>
           </a:prstGeom>
-          <a:ln w="19050">
-            <a:solidFill>
-              <a:schemeClr val="bg2">
-                <a:lumMod val="75000"/>
-              </a:schemeClr>
-            </a:solidFill>
-          </a:ln>
         </p:spPr>
       </p:pic>
       <p:pic>
         <p:nvPicPr>
-          <p:cNvPr id="10" name="Graphic 9">
-            <a:hlinkClick r:id="rId4"/>
-            <a:extLst>
-              <a:ext uri="{FF2B5EF4-FFF2-40B4-BE49-F238E27FC236}">
-                <a16:creationId xmlns:a16="http://schemas.microsoft.com/office/drawing/2014/main" id="{6365AB20-7595-92AF-B3F3-1CB0FAD9B8CA}"/>
+          <p:cNvPr id="25" name="Picture 24">
+            <a:extLst>
+              <a:ext uri="{FF2B5EF4-FFF2-40B4-BE49-F238E27FC236}">
+                <a16:creationId xmlns:a16="http://schemas.microsoft.com/office/drawing/2014/main" id="{1C98D622-957E-78C7-F430-8EC666E41FC2}"/>
               </a:ext>
             </a:extLst>
           </p:cNvPr>
@@ -3883,37 +4119,56 @@
           </p:cNvPicPr>
           <p:nvPr/>
         </p:nvPicPr>
-        <p:blipFill>
-          <a:blip r:embed="rId5">
-            <a:extLst>
-              <a:ext uri="{28A0092B-C50C-407E-A947-70E740481C1C}">
-                <a14:useLocalDpi xmlns:a14="http://schemas.microsoft.com/office/drawing/2010/main" val="0"/>
-              </a:ext>
-              <a:ext uri="{96DAC541-7B7A-43D3-8B79-37D633B846F1}">
-                <asvg:svgBlip xmlns:asvg="http://schemas.microsoft.com/office/drawing/2016/SVG/main" r:embed="rId6"/>
-              </a:ext>
-            </a:extLst>
-          </a:blip>
-          <a:stretch>
-            <a:fillRect/>
-          </a:stretch>
+        <p:blipFill rotWithShape="1">
+          <a:blip r:embed="rId4"/>
+          <a:srcRect l="14724" t="9321" r="48724" b="75247"/>
+          <a:stretch/>
         </p:blipFill>
         <p:spPr>
           <a:xfrm>
-            <a:off x="7506482" y="200652"/>
-            <a:ext cx="1440000" cy="512000"/>
+            <a:off x="0" y="3637259"/>
+            <a:ext cx="6012495" cy="1427799"/>
           </a:xfrm>
           <a:prstGeom prst="rect">
             <a:avLst/>
           </a:prstGeom>
         </p:spPr>
       </p:pic>
-      <p:sp>
-        <p:nvSpPr>
-          <p:cNvPr id="12" name="Arrow: Down 11">
-            <a:extLst>
-              <a:ext uri="{FF2B5EF4-FFF2-40B4-BE49-F238E27FC236}">
-                <a16:creationId xmlns:a16="http://schemas.microsoft.com/office/drawing/2014/main" id="{0FEADBD2-82FE-23EF-A9F3-D6ACAF91EC06}"/>
+      <p:pic>
+        <p:nvPicPr>
+          <p:cNvPr id="34" name="Picture 33">
+            <a:extLst>
+              <a:ext uri="{FF2B5EF4-FFF2-40B4-BE49-F238E27FC236}">
+                <a16:creationId xmlns:a16="http://schemas.microsoft.com/office/drawing/2014/main" id="{8BA2B032-3527-0990-5C90-363E6965A18C}"/>
+              </a:ext>
+            </a:extLst>
+          </p:cNvPr>
+          <p:cNvPicPr>
+            <a:picLocks noChangeAspect="1"/>
+          </p:cNvPicPr>
+          <p:nvPr/>
+        </p:nvPicPr>
+        <p:blipFill rotWithShape="1">
+          <a:blip r:embed="rId5"/>
+          <a:srcRect l="31226" r="32170" b="828"/>
+          <a:stretch/>
+        </p:blipFill>
+        <p:spPr>
+          <a:xfrm>
+            <a:off x="5093479" y="1211263"/>
+            <a:ext cx="3705195" cy="5646737"/>
+          </a:xfrm>
+          <a:prstGeom prst="rect">
+            <a:avLst/>
+          </a:prstGeom>
+        </p:spPr>
+      </p:pic>
+      <p:sp>
+        <p:nvSpPr>
+          <p:cNvPr id="38" name="Rectangle 37">
+            <a:extLst>
+              <a:ext uri="{FF2B5EF4-FFF2-40B4-BE49-F238E27FC236}">
+                <a16:creationId xmlns:a16="http://schemas.microsoft.com/office/drawing/2014/main" id="{404063C6-445D-92EE-7627-6CCBAFECCEA7}"/>
               </a:ext>
             </a:extLst>
           </p:cNvPr>
@@ -3921,18 +4176,18 @@
           <p:nvPr/>
         </p:nvSpPr>
         <p:spPr>
-          <a:xfrm rot="5400000" flipH="1">
-            <a:off x="8202724" y="2260796"/>
-            <a:ext cx="471480" cy="632371"/>
-          </a:xfrm>
-          <a:prstGeom prst="downArrow">
+          <a:xfrm>
+            <a:off x="773432" y="5374323"/>
+            <a:ext cx="3250883" cy="472440"/>
+          </a:xfrm>
+          <a:prstGeom prst="rect">
             <a:avLst/>
           </a:prstGeom>
-          <a:solidFill>
-            <a:srgbClr val="FF0000"/>
-          </a:solidFill>
-          <a:ln w="28575">
-            <a:noFill/>
+          <a:noFill/>
+          <a:ln w="19050">
+            <a:solidFill>
+              <a:srgbClr val="FF0000"/>
+            </a:solidFill>
           </a:ln>
         </p:spPr>
         <p:style>
@@ -3960,10 +4215,325 @@
           </a:p>
         </p:txBody>
       </p:sp>
+      <p:pic>
+        <p:nvPicPr>
+          <p:cNvPr id="43" name="Graphic 42">
+            <a:hlinkClick r:id="rId6"/>
+            <a:extLst>
+              <a:ext uri="{FF2B5EF4-FFF2-40B4-BE49-F238E27FC236}">
+                <a16:creationId xmlns:a16="http://schemas.microsoft.com/office/drawing/2014/main" id="{ECF0395B-02ED-EDB9-875F-5027B7312399}"/>
+              </a:ext>
+            </a:extLst>
+          </p:cNvPr>
+          <p:cNvPicPr>
+            <a:picLocks noChangeAspect="1"/>
+          </p:cNvPicPr>
+          <p:nvPr/>
+        </p:nvPicPr>
+        <p:blipFill>
+          <a:blip r:embed="rId7">
+            <a:extLst>
+              <a:ext uri="{28A0092B-C50C-407E-A947-70E740481C1C}">
+                <a14:useLocalDpi xmlns:a14="http://schemas.microsoft.com/office/drawing/2010/main" val="0"/>
+              </a:ext>
+              <a:ext uri="{96DAC541-7B7A-43D3-8B79-37D633B846F1}">
+                <asvg:svgBlip xmlns:asvg="http://schemas.microsoft.com/office/drawing/2016/SVG/main" r:embed="rId8"/>
+              </a:ext>
+            </a:extLst>
+          </a:blip>
+          <a:stretch>
+            <a:fillRect/>
+          </a:stretch>
+        </p:blipFill>
+        <p:spPr>
+          <a:xfrm>
+            <a:off x="8134710" y="201051"/>
+            <a:ext cx="815666" cy="758569"/>
+          </a:xfrm>
+          <a:prstGeom prst="rect">
+            <a:avLst/>
+          </a:prstGeom>
+        </p:spPr>
+      </p:pic>
+      <p:sp>
+        <p:nvSpPr>
+          <p:cNvPr id="2" name="TextBox 1">
+            <a:extLst>
+              <a:ext uri="{FF2B5EF4-FFF2-40B4-BE49-F238E27FC236}">
+                <a16:creationId xmlns:a16="http://schemas.microsoft.com/office/drawing/2014/main" id="{4634C996-465D-FC34-C2B8-49C519298905}"/>
+              </a:ext>
+            </a:extLst>
+          </p:cNvPr>
+          <p:cNvSpPr txBox="1"/>
+          <p:nvPr/>
+        </p:nvSpPr>
+        <p:spPr>
+          <a:xfrm>
+            <a:off x="521479" y="4565509"/>
+            <a:ext cx="4183871" cy="677108"/>
+          </a:xfrm>
+          <a:prstGeom prst="rect">
+            <a:avLst/>
+          </a:prstGeom>
+          <a:solidFill>
+            <a:srgbClr val="FFE1E1"/>
+          </a:solidFill>
+          <a:ln>
+            <a:solidFill>
+              <a:schemeClr val="bg2">
+                <a:lumMod val="50000"/>
+              </a:schemeClr>
+            </a:solidFill>
+          </a:ln>
+        </p:spPr>
+        <p:txBody>
+          <a:bodyPr wrap="square">
+            <a:spAutoFit/>
+          </a:bodyPr>
+          <a:lstStyle/>
+          <a:p>
+            <a:pPr algn="just"/>
+            <a:r>
+              <a:rPr lang="pt-BR" sz="2200" b="1" dirty="0"/>
+              <a:t>1 </a:t>
+            </a:r>
+            <a:r>
+              <a:rPr lang="pt-BR" sz="1600" dirty="0"/>
+              <a:t>Diferente do PubMed, o SciELO não tem opção de limitador apenas de </a:t>
+            </a:r>
+            <a:r>
+              <a:rPr lang="pt-BR" sz="1600" b="1" dirty="0"/>
+              <a:t>Título + Resumo</a:t>
+            </a:r>
+          </a:p>
+        </p:txBody>
+      </p:sp>
+      <p:sp>
+        <p:nvSpPr>
+          <p:cNvPr id="3" name="TextBox 2">
+            <a:extLst>
+              <a:ext uri="{FF2B5EF4-FFF2-40B4-BE49-F238E27FC236}">
+                <a16:creationId xmlns:a16="http://schemas.microsoft.com/office/drawing/2014/main" id="{2C08E6D2-69CB-291A-5971-6F245B176F80}"/>
+              </a:ext>
+            </a:extLst>
+          </p:cNvPr>
+          <p:cNvSpPr txBox="1"/>
+          <p:nvPr/>
+        </p:nvSpPr>
+        <p:spPr>
+          <a:xfrm>
+            <a:off x="216568" y="3021201"/>
+            <a:ext cx="2421857" cy="830997"/>
+          </a:xfrm>
+          <a:prstGeom prst="rect">
+            <a:avLst/>
+          </a:prstGeom>
+          <a:solidFill>
+            <a:srgbClr val="FFE1E1"/>
+          </a:solidFill>
+          <a:ln>
+            <a:solidFill>
+              <a:schemeClr val="bg2">
+                <a:lumMod val="50000"/>
+              </a:schemeClr>
+            </a:solidFill>
+          </a:ln>
+        </p:spPr>
+        <p:txBody>
+          <a:bodyPr wrap="square">
+            <a:spAutoFit/>
+          </a:bodyPr>
+          <a:lstStyle/>
+          <a:p>
+            <a:pPr algn="just"/>
+            <a:r>
+              <a:rPr lang="pt-BR" sz="1600" dirty="0"/>
+              <a:t>Para olhar outras opções de limitadores é só clicar em </a:t>
+            </a:r>
+            <a:r>
+              <a:rPr lang="pt-BR" sz="1600" b="1" dirty="0"/>
+              <a:t>Precisa de Ajuda?</a:t>
+            </a:r>
+          </a:p>
+        </p:txBody>
+      </p:sp>
+      <p:sp>
+        <p:nvSpPr>
+          <p:cNvPr id="4" name="Arrow: Down 3">
+            <a:extLst>
+              <a:ext uri="{FF2B5EF4-FFF2-40B4-BE49-F238E27FC236}">
+                <a16:creationId xmlns:a16="http://schemas.microsoft.com/office/drawing/2014/main" id="{9ACD61BB-3285-D10F-8357-0A40063CB3E5}"/>
+              </a:ext>
+            </a:extLst>
+          </p:cNvPr>
+          <p:cNvSpPr/>
+          <p:nvPr/>
+        </p:nvSpPr>
+        <p:spPr>
+          <a:xfrm rot="10800000" flipH="1">
+            <a:off x="359097" y="2312515"/>
+            <a:ext cx="471480" cy="632371"/>
+          </a:xfrm>
+          <a:prstGeom prst="downArrow">
+            <a:avLst/>
+          </a:prstGeom>
+          <a:solidFill>
+            <a:srgbClr val="FF0000"/>
+          </a:solidFill>
+          <a:ln w="28575">
+            <a:noFill/>
+          </a:ln>
+        </p:spPr>
+        <p:style>
+          <a:lnRef idx="2">
+            <a:schemeClr val="accent1">
+              <a:shade val="50000"/>
+            </a:schemeClr>
+          </a:lnRef>
+          <a:fillRef idx="1">
+            <a:schemeClr val="accent1"/>
+          </a:fillRef>
+          <a:effectRef idx="0">
+            <a:schemeClr val="accent1"/>
+          </a:effectRef>
+          <a:fontRef idx="minor">
+            <a:schemeClr val="lt1"/>
+          </a:fontRef>
+        </p:style>
+        <p:txBody>
+          <a:bodyPr rtlCol="0" anchor="ctr"/>
+          <a:lstStyle/>
+          <a:p>
+            <a:pPr algn="ctr"/>
+            <a:endParaRPr lang="pt-BR"/>
+          </a:p>
+        </p:txBody>
+      </p:sp>
+      <p:sp>
+        <p:nvSpPr>
+          <p:cNvPr id="6" name="TextBox 5">
+            <a:extLst>
+              <a:ext uri="{FF2B5EF4-FFF2-40B4-BE49-F238E27FC236}">
+                <a16:creationId xmlns:a16="http://schemas.microsoft.com/office/drawing/2014/main" id="{701BC0D5-87FD-AC81-037F-18E6DF7B646A}"/>
+              </a:ext>
+            </a:extLst>
+          </p:cNvPr>
+          <p:cNvSpPr txBox="1"/>
+          <p:nvPr/>
+        </p:nvSpPr>
+        <p:spPr>
+          <a:xfrm>
+            <a:off x="2997522" y="2427070"/>
+            <a:ext cx="5693710" cy="677108"/>
+          </a:xfrm>
+          <a:prstGeom prst="rect">
+            <a:avLst/>
+          </a:prstGeom>
+          <a:solidFill>
+            <a:srgbClr val="FFE1E1"/>
+          </a:solidFill>
+          <a:ln>
+            <a:solidFill>
+              <a:schemeClr val="bg2">
+                <a:lumMod val="50000"/>
+              </a:schemeClr>
+            </a:solidFill>
+          </a:ln>
+        </p:spPr>
+        <p:txBody>
+          <a:bodyPr wrap="square">
+            <a:spAutoFit/>
+          </a:bodyPr>
+          <a:lstStyle/>
+          <a:p>
+            <a:pPr algn="just"/>
+            <a:r>
+              <a:rPr lang="pt-BR" sz="2200" b="1" dirty="0"/>
+              <a:t>2 </a:t>
+            </a:r>
+            <a:r>
+              <a:rPr lang="pt-BR" sz="1600" b="1" dirty="0"/>
+              <a:t>subject</a:t>
+            </a:r>
+            <a:r>
+              <a:rPr lang="pt-BR" sz="1600" dirty="0"/>
+              <a:t> é o limitador de </a:t>
+            </a:r>
+            <a:r>
+              <a:rPr lang="pt-BR" sz="1600" b="1" dirty="0"/>
+              <a:t>Título + Resumo + Palavras-chave</a:t>
+            </a:r>
+            <a:r>
+              <a:rPr lang="pt-BR" sz="1600" dirty="0"/>
+              <a:t>.</a:t>
+            </a:r>
+          </a:p>
+          <a:p>
+            <a:pPr algn="just"/>
+            <a:r>
+              <a:rPr lang="pt-BR" sz="1600" dirty="0"/>
+              <a:t>Ele pode ser colocado manualmente após montagem da estratégia</a:t>
+            </a:r>
+            <a:endParaRPr lang="pt-BR" sz="1600" b="1" dirty="0"/>
+          </a:p>
+        </p:txBody>
+      </p:sp>
+      <p:sp>
+        <p:nvSpPr>
+          <p:cNvPr id="8" name="Arrow: Down 7">
+            <a:extLst>
+              <a:ext uri="{FF2B5EF4-FFF2-40B4-BE49-F238E27FC236}">
+                <a16:creationId xmlns:a16="http://schemas.microsoft.com/office/drawing/2014/main" id="{8953B636-5F3B-F82B-2885-B935A5674097}"/>
+              </a:ext>
+            </a:extLst>
+          </p:cNvPr>
+          <p:cNvSpPr/>
+          <p:nvPr/>
+        </p:nvSpPr>
+        <p:spPr>
+          <a:xfrm flipH="1">
+            <a:off x="6686763" y="3166973"/>
+            <a:ext cx="471480" cy="632371"/>
+          </a:xfrm>
+          <a:prstGeom prst="downArrow">
+            <a:avLst/>
+          </a:prstGeom>
+          <a:solidFill>
+            <a:srgbClr val="FF0000"/>
+          </a:solidFill>
+          <a:ln w="28575">
+            <a:noFill/>
+          </a:ln>
+        </p:spPr>
+        <p:style>
+          <a:lnRef idx="2">
+            <a:schemeClr val="accent1">
+              <a:shade val="50000"/>
+            </a:schemeClr>
+          </a:lnRef>
+          <a:fillRef idx="1">
+            <a:schemeClr val="accent1"/>
+          </a:fillRef>
+          <a:effectRef idx="0">
+            <a:schemeClr val="accent1"/>
+          </a:effectRef>
+          <a:fontRef idx="minor">
+            <a:schemeClr val="lt1"/>
+          </a:fontRef>
+        </p:style>
+        <p:txBody>
+          <a:bodyPr rtlCol="0" anchor="ctr"/>
+          <a:lstStyle/>
+          <a:p>
+            <a:pPr algn="ctr"/>
+            <a:endParaRPr lang="pt-BR"/>
+          </a:p>
+        </p:txBody>
+      </p:sp>
     </p:spTree>
     <p:extLst>
       <p:ext uri="{BB962C8B-B14F-4D97-AF65-F5344CB8AC3E}">
-        <p14:creationId xmlns:p14="http://schemas.microsoft.com/office/powerpoint/2010/main" val="2138057422"/>
+        <p14:creationId xmlns:p14="http://schemas.microsoft.com/office/powerpoint/2010/main" val="1440160715"/>
       </p:ext>
     </p:extLst>
   </p:cSld>
@@ -3990,307 +4560,60 @@
           <a:chExt cx="0" cy="0"/>
         </a:xfrm>
       </p:grpSpPr>
-      <p:pic>
-        <p:nvPicPr>
-          <p:cNvPr id="32" name="Picture 31">
-            <a:extLst>
-              <a:ext uri="{FF2B5EF4-FFF2-40B4-BE49-F238E27FC236}">
-                <a16:creationId xmlns:a16="http://schemas.microsoft.com/office/drawing/2014/main" id="{12AAC570-7CA4-3727-9200-8902A8855039}"/>
-              </a:ext>
-            </a:extLst>
-          </p:cNvPr>
-          <p:cNvPicPr>
-            <a:picLocks noChangeAspect="1"/>
-          </p:cNvPicPr>
-          <p:nvPr/>
-        </p:nvPicPr>
-        <p:blipFill rotWithShape="1">
-          <a:blip r:embed="rId2"/>
-          <a:srcRect l="14720" t="9311" r="48727" b="75257"/>
-          <a:stretch/>
-        </p:blipFill>
-        <p:spPr>
-          <a:xfrm>
-            <a:off x="0" y="4003674"/>
-            <a:ext cx="6012495" cy="1427799"/>
-          </a:xfrm>
-          <a:prstGeom prst="rect">
-            <a:avLst/>
-          </a:prstGeom>
-        </p:spPr>
-      </p:pic>
-      <p:sp>
-        <p:nvSpPr>
-          <p:cNvPr id="5" name="TextBox 4">
-            <a:extLst>
-              <a:ext uri="{FF2B5EF4-FFF2-40B4-BE49-F238E27FC236}">
-                <a16:creationId xmlns:a16="http://schemas.microsoft.com/office/drawing/2014/main" id="{8AE687A2-A2BF-C00F-C459-B509169FA77F}"/>
-              </a:ext>
-            </a:extLst>
-          </p:cNvPr>
-          <p:cNvSpPr txBox="1"/>
-          <p:nvPr/>
-        </p:nvSpPr>
-        <p:spPr>
-          <a:xfrm>
-            <a:off x="216568" y="302476"/>
-            <a:ext cx="8710864" cy="461665"/>
-          </a:xfrm>
-          <a:prstGeom prst="rect">
-            <a:avLst/>
-          </a:prstGeom>
-          <a:noFill/>
-        </p:spPr>
-        <p:txBody>
-          <a:bodyPr wrap="square">
-            <a:spAutoFit/>
-          </a:bodyPr>
-          <a:lstStyle/>
-          <a:p>
-            <a:pPr algn="ctr"/>
-            <a:r>
-              <a:rPr lang="pt-BR" sz="2400" dirty="0"/>
-              <a:t>Como realizar a busca avançada</a:t>
-            </a:r>
-            <a:endParaRPr lang="pt-BR" sz="2400" i="1" dirty="0"/>
-          </a:p>
-        </p:txBody>
-      </p:sp>
-      <p:pic>
-        <p:nvPicPr>
-          <p:cNvPr id="16" name="Picture 15">
-            <a:extLst>
-              <a:ext uri="{FF2B5EF4-FFF2-40B4-BE49-F238E27FC236}">
-                <a16:creationId xmlns:a16="http://schemas.microsoft.com/office/drawing/2014/main" id="{6E1D8AAA-142C-A093-7725-BB85B2DE40C0}"/>
-              </a:ext>
-            </a:extLst>
-          </p:cNvPr>
-          <p:cNvPicPr>
-            <a:picLocks noChangeAspect="1"/>
-          </p:cNvPicPr>
-          <p:nvPr/>
-        </p:nvPicPr>
-        <p:blipFill rotWithShape="1">
-          <a:blip r:embed="rId3"/>
-          <a:srcRect l="17830" r="17830" b="77833"/>
-          <a:stretch/>
-        </p:blipFill>
-        <p:spPr>
-          <a:xfrm>
-            <a:off x="0" y="1164127"/>
-            <a:ext cx="6601431" cy="1279359"/>
-          </a:xfrm>
-          <a:prstGeom prst="rect">
-            <a:avLst/>
-          </a:prstGeom>
-        </p:spPr>
-      </p:pic>
-      <p:pic>
-        <p:nvPicPr>
-          <p:cNvPr id="25" name="Picture 24">
-            <a:extLst>
-              <a:ext uri="{FF2B5EF4-FFF2-40B4-BE49-F238E27FC236}">
-                <a16:creationId xmlns:a16="http://schemas.microsoft.com/office/drawing/2014/main" id="{1C98D622-957E-78C7-F430-8EC666E41FC2}"/>
-              </a:ext>
-            </a:extLst>
-          </p:cNvPr>
-          <p:cNvPicPr>
-            <a:picLocks noChangeAspect="1"/>
-          </p:cNvPicPr>
-          <p:nvPr/>
-        </p:nvPicPr>
-        <p:blipFill rotWithShape="1">
-          <a:blip r:embed="rId4"/>
-          <a:srcRect l="14724" t="9321" r="48724" b="75247"/>
-          <a:stretch/>
-        </p:blipFill>
-        <p:spPr>
-          <a:xfrm>
-            <a:off x="0" y="2513309"/>
-            <a:ext cx="6012495" cy="1427799"/>
-          </a:xfrm>
-          <a:prstGeom prst="rect">
-            <a:avLst/>
-          </a:prstGeom>
-        </p:spPr>
-      </p:pic>
-      <p:pic>
-        <p:nvPicPr>
-          <p:cNvPr id="34" name="Picture 33">
-            <a:extLst>
-              <a:ext uri="{FF2B5EF4-FFF2-40B4-BE49-F238E27FC236}">
-                <a16:creationId xmlns:a16="http://schemas.microsoft.com/office/drawing/2014/main" id="{8BA2B032-3527-0990-5C90-363E6965A18C}"/>
-              </a:ext>
-            </a:extLst>
-          </p:cNvPr>
-          <p:cNvPicPr>
-            <a:picLocks noChangeAspect="1"/>
-          </p:cNvPicPr>
-          <p:nvPr/>
-        </p:nvPicPr>
-        <p:blipFill rotWithShape="1">
-          <a:blip r:embed="rId5"/>
-          <a:srcRect l="31226" r="32170" b="828"/>
-          <a:stretch/>
-        </p:blipFill>
-        <p:spPr>
-          <a:xfrm>
-            <a:off x="5093479" y="1211263"/>
-            <a:ext cx="3705195" cy="5646737"/>
-          </a:xfrm>
-          <a:prstGeom prst="rect">
-            <a:avLst/>
-          </a:prstGeom>
-        </p:spPr>
-      </p:pic>
-      <p:sp>
-        <p:nvSpPr>
-          <p:cNvPr id="35" name="Arrow: Down 34">
-            <a:extLst>
-              <a:ext uri="{FF2B5EF4-FFF2-40B4-BE49-F238E27FC236}">
-                <a16:creationId xmlns:a16="http://schemas.microsoft.com/office/drawing/2014/main" id="{3C671486-5C51-38AA-5B26-82A1F224DE2D}"/>
-              </a:ext>
-            </a:extLst>
-          </p:cNvPr>
-          <p:cNvSpPr/>
-          <p:nvPr/>
-        </p:nvSpPr>
-        <p:spPr>
-          <a:xfrm rot="16200000" flipH="1">
-            <a:off x="359097" y="2675283"/>
-            <a:ext cx="471480" cy="632371"/>
-          </a:xfrm>
-          <a:prstGeom prst="downArrow">
-            <a:avLst/>
-          </a:prstGeom>
-          <a:solidFill>
-            <a:srgbClr val="FF0000"/>
-          </a:solidFill>
-          <a:ln w="28575">
-            <a:noFill/>
-          </a:ln>
-        </p:spPr>
-        <p:style>
-          <a:lnRef idx="2">
-            <a:schemeClr val="accent1">
-              <a:shade val="50000"/>
-            </a:schemeClr>
-          </a:lnRef>
-          <a:fillRef idx="1">
-            <a:schemeClr val="accent1"/>
-          </a:fillRef>
-          <a:effectRef idx="0">
-            <a:schemeClr val="accent1"/>
-          </a:effectRef>
-          <a:fontRef idx="minor">
-            <a:schemeClr val="lt1"/>
-          </a:fontRef>
-        </p:style>
-        <p:txBody>
-          <a:bodyPr rtlCol="0" anchor="ctr"/>
-          <a:lstStyle/>
-          <a:p>
-            <a:pPr algn="ctr"/>
+      <p:sp>
+        <p:nvSpPr>
+          <p:cNvPr id="2" name="Title 1">
+            <a:extLst>
+              <a:ext uri="{FF2B5EF4-FFF2-40B4-BE49-F238E27FC236}">
+                <a16:creationId xmlns:a16="http://schemas.microsoft.com/office/drawing/2014/main" id="{9FFC92A3-B6AA-DDD8-4E8B-4BDF0E2D2311}"/>
+              </a:ext>
+            </a:extLst>
+          </p:cNvPr>
+          <p:cNvSpPr>
+            <a:spLocks noGrp="1"/>
+          </p:cNvSpPr>
+          <p:nvPr>
+            <p:ph type="title"/>
+          </p:nvPr>
+        </p:nvSpPr>
+        <p:spPr/>
+        <p:txBody>
+          <a:bodyPr/>
+          <a:lstStyle/>
+          <a:p>
             <a:endParaRPr lang="pt-BR"/>
           </a:p>
         </p:txBody>
       </p:sp>
       <p:sp>
         <p:nvSpPr>
-          <p:cNvPr id="38" name="Rectangle 37">
-            <a:extLst>
-              <a:ext uri="{FF2B5EF4-FFF2-40B4-BE49-F238E27FC236}">
-                <a16:creationId xmlns:a16="http://schemas.microsoft.com/office/drawing/2014/main" id="{404063C6-445D-92EE-7627-6CCBAFECCEA7}"/>
-              </a:ext>
-            </a:extLst>
-          </p:cNvPr>
-          <p:cNvSpPr/>
-          <p:nvPr/>
-        </p:nvSpPr>
-        <p:spPr>
-          <a:xfrm>
-            <a:off x="773432" y="4250373"/>
-            <a:ext cx="3250883" cy="472440"/>
-          </a:xfrm>
-          <a:prstGeom prst="rect">
-            <a:avLst/>
-          </a:prstGeom>
-          <a:noFill/>
-          <a:ln w="19050">
-            <a:solidFill>
-              <a:srgbClr val="FF0000"/>
-            </a:solidFill>
-          </a:ln>
-        </p:spPr>
-        <p:style>
-          <a:lnRef idx="2">
-            <a:schemeClr val="accent1">
-              <a:shade val="50000"/>
-            </a:schemeClr>
-          </a:lnRef>
-          <a:fillRef idx="1">
-            <a:schemeClr val="accent1"/>
-          </a:fillRef>
-          <a:effectRef idx="0">
-            <a:schemeClr val="accent1"/>
-          </a:effectRef>
-          <a:fontRef idx="minor">
-            <a:schemeClr val="lt1"/>
-          </a:fontRef>
-        </p:style>
-        <p:txBody>
-          <a:bodyPr rtlCol="0" anchor="ctr"/>
-          <a:lstStyle/>
-          <a:p>
-            <a:pPr algn="ctr"/>
+          <p:cNvPr id="3" name="Content Placeholder 2">
+            <a:extLst>
+              <a:ext uri="{FF2B5EF4-FFF2-40B4-BE49-F238E27FC236}">
+                <a16:creationId xmlns:a16="http://schemas.microsoft.com/office/drawing/2014/main" id="{2BBF1255-2C24-FC3D-BBC0-06EAD7AC025F}"/>
+              </a:ext>
+            </a:extLst>
+          </p:cNvPr>
+          <p:cNvSpPr>
+            <a:spLocks noGrp="1"/>
+          </p:cNvSpPr>
+          <p:nvPr>
+            <p:ph idx="1"/>
+          </p:nvPr>
+        </p:nvSpPr>
+        <p:spPr/>
+        <p:txBody>
+          <a:bodyPr/>
+          <a:lstStyle/>
+          <a:p>
             <a:endParaRPr lang="pt-BR"/>
           </a:p>
         </p:txBody>
       </p:sp>
-      <p:pic>
-        <p:nvPicPr>
-          <p:cNvPr id="43" name="Graphic 42">
-            <a:hlinkClick r:id="rId6"/>
-            <a:extLst>
-              <a:ext uri="{FF2B5EF4-FFF2-40B4-BE49-F238E27FC236}">
-                <a16:creationId xmlns:a16="http://schemas.microsoft.com/office/drawing/2014/main" id="{ECF0395B-02ED-EDB9-875F-5027B7312399}"/>
-              </a:ext>
-            </a:extLst>
-          </p:cNvPr>
-          <p:cNvPicPr>
-            <a:picLocks noChangeAspect="1"/>
-          </p:cNvPicPr>
-          <p:nvPr/>
-        </p:nvPicPr>
-        <p:blipFill>
-          <a:blip r:embed="rId7">
-            <a:extLst>
-              <a:ext uri="{28A0092B-C50C-407E-A947-70E740481C1C}">
-                <a14:useLocalDpi xmlns:a14="http://schemas.microsoft.com/office/drawing/2010/main" val="0"/>
-              </a:ext>
-              <a:ext uri="{96DAC541-7B7A-43D3-8B79-37D633B846F1}">
-                <asvg:svgBlip xmlns:asvg="http://schemas.microsoft.com/office/drawing/2016/SVG/main" r:embed="rId8"/>
-              </a:ext>
-            </a:extLst>
-          </a:blip>
-          <a:stretch>
-            <a:fillRect/>
-          </a:stretch>
-        </p:blipFill>
-        <p:spPr>
-          <a:xfrm>
-            <a:off x="8134710" y="201051"/>
-            <a:ext cx="815666" cy="758569"/>
-          </a:xfrm>
-          <a:prstGeom prst="rect">
-            <a:avLst/>
-          </a:prstGeom>
-        </p:spPr>
-      </p:pic>
     </p:spTree>
     <p:extLst>
       <p:ext uri="{BB962C8B-B14F-4D97-AF65-F5344CB8AC3E}">
-        <p14:creationId xmlns:p14="http://schemas.microsoft.com/office/powerpoint/2010/main" val="1440160715"/>
+        <p14:creationId xmlns:p14="http://schemas.microsoft.com/office/powerpoint/2010/main" val="2119413663"/>
       </p:ext>
     </p:extLst>
   </p:cSld>
@@ -4445,7 +4768,7 @@
         </p:blipFill>
         <p:spPr>
           <a:xfrm>
-            <a:off x="3142030" y="2537207"/>
+            <a:off x="2675305" y="2594166"/>
             <a:ext cx="6001970" cy="2377693"/>
           </a:xfrm>
           <a:prstGeom prst="rect">
@@ -7098,6 +7421,282 @@
           <a:p>
             <a:pPr algn="ctr"/>
             <a:endParaRPr lang="pt-BR"/>
+          </a:p>
+        </p:txBody>
+      </p:sp>
+      <p:sp>
+        <p:nvSpPr>
+          <p:cNvPr id="3" name="TextBox 2">
+            <a:extLst>
+              <a:ext uri="{FF2B5EF4-FFF2-40B4-BE49-F238E27FC236}">
+                <a16:creationId xmlns:a16="http://schemas.microsoft.com/office/drawing/2014/main" id="{5D300B7A-07E8-BC88-F7CF-1B8C5F985FB4}"/>
+              </a:ext>
+            </a:extLst>
+          </p:cNvPr>
+          <p:cNvSpPr txBox="1"/>
+          <p:nvPr/>
+        </p:nvSpPr>
+        <p:spPr>
+          <a:xfrm>
+            <a:off x="826137" y="2383075"/>
+            <a:ext cx="4572000" cy="677108"/>
+          </a:xfrm>
+          <a:prstGeom prst="rect">
+            <a:avLst/>
+          </a:prstGeom>
+          <a:solidFill>
+            <a:srgbClr val="D5EAF7"/>
+          </a:solidFill>
+          <a:ln>
+            <a:solidFill>
+              <a:schemeClr val="bg2">
+                <a:lumMod val="50000"/>
+              </a:schemeClr>
+            </a:solidFill>
+          </a:ln>
+        </p:spPr>
+        <p:txBody>
+          <a:bodyPr wrap="square">
+            <a:spAutoFit/>
+          </a:bodyPr>
+          <a:lstStyle/>
+          <a:p>
+            <a:pPr algn="just"/>
+            <a:r>
+              <a:rPr lang="pt-BR" sz="2200" b="1" dirty="0"/>
+              <a:t>1 </a:t>
+            </a:r>
+            <a:r>
+              <a:rPr lang="pt-BR" sz="1600" dirty="0"/>
+              <a:t>Para montar a busca, é só escolher o limitador adequado e escrever o termo. Depois clicar em </a:t>
+            </a:r>
+            <a:r>
+              <a:rPr lang="pt-BR" sz="1600" b="1" dirty="0"/>
+              <a:t>ADD</a:t>
+            </a:r>
+          </a:p>
+        </p:txBody>
+      </p:sp>
+      <p:sp>
+        <p:nvSpPr>
+          <p:cNvPr id="4" name="TextBox 3">
+            <a:extLst>
+              <a:ext uri="{FF2B5EF4-FFF2-40B4-BE49-F238E27FC236}">
+                <a16:creationId xmlns:a16="http://schemas.microsoft.com/office/drawing/2014/main" id="{DC571691-611A-25B2-FFEE-0CD8FA233225}"/>
+              </a:ext>
+            </a:extLst>
+          </p:cNvPr>
+          <p:cNvSpPr txBox="1"/>
+          <p:nvPr/>
+        </p:nvSpPr>
+        <p:spPr>
+          <a:xfrm>
+            <a:off x="6352674" y="1018211"/>
+            <a:ext cx="2581487" cy="830997"/>
+          </a:xfrm>
+          <a:prstGeom prst="rect">
+            <a:avLst/>
+          </a:prstGeom>
+          <a:solidFill>
+            <a:srgbClr val="D5EAF7"/>
+          </a:solidFill>
+          <a:ln>
+            <a:solidFill>
+              <a:schemeClr val="bg2">
+                <a:lumMod val="50000"/>
+              </a:schemeClr>
+            </a:solidFill>
+          </a:ln>
+        </p:spPr>
+        <p:txBody>
+          <a:bodyPr wrap="square">
+            <a:spAutoFit/>
+          </a:bodyPr>
+          <a:lstStyle/>
+          <a:p>
+            <a:pPr algn="ctr"/>
+            <a:r>
+              <a:rPr lang="pt-BR" sz="1600" dirty="0"/>
+              <a:t>Para mais informações sobre como realizar as buscas, clicar em </a:t>
+            </a:r>
+            <a:r>
+              <a:rPr lang="pt-BR" sz="1600" b="1" dirty="0"/>
+              <a:t>User Guide</a:t>
+            </a:r>
+          </a:p>
+        </p:txBody>
+      </p:sp>
+      <p:sp>
+        <p:nvSpPr>
+          <p:cNvPr id="7" name="Arrow: Down 6">
+            <a:extLst>
+              <a:ext uri="{FF2B5EF4-FFF2-40B4-BE49-F238E27FC236}">
+                <a16:creationId xmlns:a16="http://schemas.microsoft.com/office/drawing/2014/main" id="{A442AE57-72B3-89F6-1E65-77C27500EF42}"/>
+              </a:ext>
+            </a:extLst>
+          </p:cNvPr>
+          <p:cNvSpPr/>
+          <p:nvPr/>
+        </p:nvSpPr>
+        <p:spPr>
+          <a:xfrm rot="5400000" flipH="1">
+            <a:off x="7643600" y="2429154"/>
+            <a:ext cx="471480" cy="632371"/>
+          </a:xfrm>
+          <a:prstGeom prst="downArrow">
+            <a:avLst/>
+          </a:prstGeom>
+          <a:solidFill>
+            <a:srgbClr val="FF0000"/>
+          </a:solidFill>
+          <a:ln w="28575">
+            <a:noFill/>
+          </a:ln>
+        </p:spPr>
+        <p:style>
+          <a:lnRef idx="2">
+            <a:schemeClr val="accent1">
+              <a:shade val="50000"/>
+            </a:schemeClr>
+          </a:lnRef>
+          <a:fillRef idx="1">
+            <a:schemeClr val="accent1"/>
+          </a:fillRef>
+          <a:effectRef idx="0">
+            <a:schemeClr val="accent1"/>
+          </a:effectRef>
+          <a:fontRef idx="minor">
+            <a:schemeClr val="lt1"/>
+          </a:fontRef>
+        </p:style>
+        <p:txBody>
+          <a:bodyPr rtlCol="0" anchor="ctr"/>
+          <a:lstStyle/>
+          <a:p>
+            <a:pPr algn="ctr"/>
+            <a:endParaRPr lang="pt-BR"/>
+          </a:p>
+        </p:txBody>
+      </p:sp>
+      <p:sp>
+        <p:nvSpPr>
+          <p:cNvPr id="8" name="TextBox 7">
+            <a:extLst>
+              <a:ext uri="{FF2B5EF4-FFF2-40B4-BE49-F238E27FC236}">
+                <a16:creationId xmlns:a16="http://schemas.microsoft.com/office/drawing/2014/main" id="{9947FBBF-BB41-84A7-3B0A-9D117E5F2642}"/>
+              </a:ext>
+            </a:extLst>
+          </p:cNvPr>
+          <p:cNvSpPr txBox="1"/>
+          <p:nvPr/>
+        </p:nvSpPr>
+        <p:spPr>
+          <a:xfrm>
+            <a:off x="2645905" y="3959997"/>
+            <a:ext cx="4380175" cy="677108"/>
+          </a:xfrm>
+          <a:prstGeom prst="rect">
+            <a:avLst/>
+          </a:prstGeom>
+          <a:solidFill>
+            <a:srgbClr val="D5EAF7"/>
+          </a:solidFill>
+          <a:ln>
+            <a:solidFill>
+              <a:schemeClr val="bg2">
+                <a:lumMod val="50000"/>
+              </a:schemeClr>
+            </a:solidFill>
+          </a:ln>
+        </p:spPr>
+        <p:txBody>
+          <a:bodyPr wrap="square">
+            <a:spAutoFit/>
+          </a:bodyPr>
+          <a:lstStyle/>
+          <a:p>
+            <a:pPr algn="just"/>
+            <a:r>
+              <a:rPr lang="pt-BR" sz="2200" b="1" dirty="0"/>
+              <a:t>2 </a:t>
+            </a:r>
+            <a:r>
+              <a:rPr lang="pt-BR" sz="1600" dirty="0"/>
+              <a:t>Os próximos termos seguem a mesma lógica. No final é só escolher entre </a:t>
+            </a:r>
+            <a:r>
+              <a:rPr lang="pt-BR" sz="1600" b="1" dirty="0"/>
+              <a:t>AND</a:t>
+            </a:r>
+            <a:r>
+              <a:rPr lang="pt-BR" sz="1600" dirty="0"/>
+              <a:t>, </a:t>
+            </a:r>
+            <a:r>
+              <a:rPr lang="pt-BR" sz="1600" b="1" dirty="0"/>
+              <a:t>OR </a:t>
+            </a:r>
+            <a:r>
+              <a:rPr lang="pt-BR" sz="1600" dirty="0"/>
+              <a:t>ou </a:t>
+            </a:r>
+            <a:r>
+              <a:rPr lang="pt-BR" sz="1600" b="1" dirty="0"/>
+              <a:t>NOT</a:t>
+            </a:r>
+          </a:p>
+        </p:txBody>
+      </p:sp>
+      <p:sp>
+        <p:nvSpPr>
+          <p:cNvPr id="9" name="TextBox 8">
+            <a:extLst>
+              <a:ext uri="{FF2B5EF4-FFF2-40B4-BE49-F238E27FC236}">
+                <a16:creationId xmlns:a16="http://schemas.microsoft.com/office/drawing/2014/main" id="{09BFB850-E0A7-4749-ACDE-F2BB8A708ECD}"/>
+              </a:ext>
+            </a:extLst>
+          </p:cNvPr>
+          <p:cNvSpPr txBox="1"/>
+          <p:nvPr/>
+        </p:nvSpPr>
+        <p:spPr>
+          <a:xfrm>
+            <a:off x="3658872" y="6070786"/>
+            <a:ext cx="4938393" cy="677108"/>
+          </a:xfrm>
+          <a:prstGeom prst="rect">
+            <a:avLst/>
+          </a:prstGeom>
+          <a:solidFill>
+            <a:srgbClr val="D5EAF7"/>
+          </a:solidFill>
+          <a:ln>
+            <a:solidFill>
+              <a:schemeClr val="bg2">
+                <a:lumMod val="50000"/>
+              </a:schemeClr>
+            </a:solidFill>
+          </a:ln>
+        </p:spPr>
+        <p:txBody>
+          <a:bodyPr wrap="square">
+            <a:spAutoFit/>
+          </a:bodyPr>
+          <a:lstStyle/>
+          <a:p>
+            <a:pPr algn="just"/>
+            <a:r>
+              <a:rPr lang="pt-BR" sz="2200" b="1" dirty="0"/>
+              <a:t>3 </a:t>
+            </a:r>
+            <a:r>
+              <a:rPr lang="pt-BR" sz="1600" dirty="0"/>
+              <a:t>No decorrer da montagem da estratégia, você pode visualizar a escrita da chave. No fim é só clicar em </a:t>
+            </a:r>
+            <a:r>
+              <a:rPr lang="pt-BR" sz="1600" b="1" dirty="0"/>
+              <a:t>Search</a:t>
+            </a:r>
           </a:p>
         </p:txBody>
       </p:sp>
@@ -7407,4 +8006,250 @@
     </a:ext>
   </a:extLst>
 </a:theme>
+</file>
+
+<file path=customXml/item1.xml><?xml version="1.0" encoding="utf-8"?>
+<ct:contentTypeSchema xmlns:ct="http://schemas.microsoft.com/office/2006/metadata/contentType" xmlns:ma="http://schemas.microsoft.com/office/2006/metadata/properties/metaAttributes" ct:_="" ma:_="" ma:contentTypeName="Documento" ma:contentTypeID="0x010100221A7C4456A97A45A5FB2F06EE0F3795" ma:contentTypeVersion="12" ma:contentTypeDescription="Crie um novo documento." ma:contentTypeScope="" ma:versionID="2f4c41121cfa066fe108e5e004855f00">
+  <xsd:schema xmlns:xsd="http://www.w3.org/2001/XMLSchema" xmlns:xs="http://www.w3.org/2001/XMLSchema" xmlns:p="http://schemas.microsoft.com/office/2006/metadata/properties" xmlns:ns2="56bd86cd-aee7-4d84-9328-0256d48ce484" xmlns:ns3="d89b8d59-050a-4503-a522-eb5bc4a69315" targetNamespace="http://schemas.microsoft.com/office/2006/metadata/properties" ma:root="true" ma:fieldsID="d6a311bf9b8bd512c3fc9f491e5d02bc" ns2:_="" ns3:_="">
+    <xsd:import namespace="56bd86cd-aee7-4d84-9328-0256d48ce484"/>
+    <xsd:import namespace="d89b8d59-050a-4503-a522-eb5bc4a69315"/>
+    <xsd:element name="properties">
+      <xsd:complexType>
+        <xsd:sequence>
+          <xsd:element name="documentManagement">
+            <xsd:complexType>
+              <xsd:all>
+                <xsd:element ref="ns2:MediaServiceMetadata" minOccurs="0"/>
+                <xsd:element ref="ns2:MediaServiceFastMetadata" minOccurs="0"/>
+                <xsd:element ref="ns2:lcf76f155ced4ddcb4097134ff3c332f" minOccurs="0"/>
+                <xsd:element ref="ns2:MediaServiceOCR" minOccurs="0"/>
+                <xsd:element ref="ns2:MediaServiceGenerationTime" minOccurs="0"/>
+                <xsd:element ref="ns2:MediaServiceEventHashCode" minOccurs="0"/>
+                <xsd:element ref="ns2:MediaServiceDateTaken" minOccurs="0"/>
+                <xsd:element ref="ns2:MediaServiceLocation" minOccurs="0"/>
+                <xsd:element ref="ns2:MediaLengthInSeconds" minOccurs="0"/>
+                <xsd:element ref="ns3:SharedWithUsers" minOccurs="0"/>
+                <xsd:element ref="ns3:SharedWithDetails" minOccurs="0"/>
+              </xsd:all>
+            </xsd:complexType>
+          </xsd:element>
+        </xsd:sequence>
+      </xsd:complexType>
+    </xsd:element>
+  </xsd:schema>
+  <xsd:schema xmlns:xsd="http://www.w3.org/2001/XMLSchema" xmlns:xs="http://www.w3.org/2001/XMLSchema" xmlns:dms="http://schemas.microsoft.com/office/2006/documentManagement/types" xmlns:pc="http://schemas.microsoft.com/office/infopath/2007/PartnerControls" targetNamespace="56bd86cd-aee7-4d84-9328-0256d48ce484" elementFormDefault="qualified">
+    <xsd:import namespace="http://schemas.microsoft.com/office/2006/documentManagement/types"/>
+    <xsd:import namespace="http://schemas.microsoft.com/office/infopath/2007/PartnerControls"/>
+    <xsd:element name="MediaServiceMetadata" ma:index="8" nillable="true" ma:displayName="MediaServiceMetadata" ma:hidden="true" ma:internalName="MediaServiceMetadata" ma:readOnly="true">
+      <xsd:simpleType>
+        <xsd:restriction base="dms:Note"/>
+      </xsd:simpleType>
+    </xsd:element>
+    <xsd:element name="MediaServiceFastMetadata" ma:index="9" nillable="true" ma:displayName="MediaServiceFastMetadata" ma:hidden="true" ma:internalName="MediaServiceFastMetadata" ma:readOnly="true">
+      <xsd:simpleType>
+        <xsd:restriction base="dms:Note"/>
+      </xsd:simpleType>
+    </xsd:element>
+    <xsd:element name="lcf76f155ced4ddcb4097134ff3c332f" ma:index="11" nillable="true" ma:taxonomy="true" ma:internalName="lcf76f155ced4ddcb4097134ff3c332f" ma:taxonomyFieldName="MediaServiceImageTags" ma:displayName="Marcações de imagem" ma:readOnly="false" ma:fieldId="{5cf76f15-5ced-4ddc-b409-7134ff3c332f}" ma:taxonomyMulti="true" ma:sspId="143de60c-575b-4c62-9f62-591ff79d3e1c" ma:termSetId="09814cd3-568e-fe90-9814-8d621ff8fb84" ma:anchorId="fba54fb3-c3e1-fe81-a776-ca4b69148c4d" ma:open="true" ma:isKeyword="false">
+      <xsd:complexType>
+        <xsd:sequence>
+          <xsd:element ref="pc:Terms" minOccurs="0" maxOccurs="1"/>
+        </xsd:sequence>
+      </xsd:complexType>
+    </xsd:element>
+    <xsd:element name="MediaServiceOCR" ma:index="12" nillable="true" ma:displayName="Extracted Text" ma:internalName="MediaServiceOCR" ma:readOnly="true">
+      <xsd:simpleType>
+        <xsd:restriction base="dms:Note">
+          <xsd:maxLength value="255"/>
+        </xsd:restriction>
+      </xsd:simpleType>
+    </xsd:element>
+    <xsd:element name="MediaServiceGenerationTime" ma:index="13" nillable="true" ma:displayName="MediaServiceGenerationTime" ma:hidden="true" ma:internalName="MediaServiceGenerationTime" ma:readOnly="true">
+      <xsd:simpleType>
+        <xsd:restriction base="dms:Text"/>
+      </xsd:simpleType>
+    </xsd:element>
+    <xsd:element name="MediaServiceEventHashCode" ma:index="14" nillable="true" ma:displayName="MediaServiceEventHashCode" ma:hidden="true" ma:internalName="MediaServiceEventHashCode" ma:readOnly="true">
+      <xsd:simpleType>
+        <xsd:restriction base="dms:Text"/>
+      </xsd:simpleType>
+    </xsd:element>
+    <xsd:element name="MediaServiceDateTaken" ma:index="15" nillable="true" ma:displayName="MediaServiceDateTaken" ma:hidden="true" ma:internalName="MediaServiceDateTaken" ma:readOnly="true">
+      <xsd:simpleType>
+        <xsd:restriction base="dms:Text"/>
+      </xsd:simpleType>
+    </xsd:element>
+    <xsd:element name="MediaServiceLocation" ma:index="16" nillable="true" ma:displayName="Location" ma:internalName="MediaServiceLocation" ma:readOnly="true">
+      <xsd:simpleType>
+        <xsd:restriction base="dms:Text"/>
+      </xsd:simpleType>
+    </xsd:element>
+    <xsd:element name="MediaLengthInSeconds" ma:index="17" nillable="true" ma:displayName="MediaLengthInSeconds" ma:hidden="true" ma:internalName="MediaLengthInSeconds" ma:readOnly="true">
+      <xsd:simpleType>
+        <xsd:restriction base="dms:Unknown"/>
+      </xsd:simpleType>
+    </xsd:element>
+  </xsd:schema>
+  <xsd:schema xmlns:xsd="http://www.w3.org/2001/XMLSchema" xmlns:xs="http://www.w3.org/2001/XMLSchema" xmlns:dms="http://schemas.microsoft.com/office/2006/documentManagement/types" xmlns:pc="http://schemas.microsoft.com/office/infopath/2007/PartnerControls" targetNamespace="d89b8d59-050a-4503-a522-eb5bc4a69315" elementFormDefault="qualified">
+    <xsd:import namespace="http://schemas.microsoft.com/office/2006/documentManagement/types"/>
+    <xsd:import namespace="http://schemas.microsoft.com/office/infopath/2007/PartnerControls"/>
+    <xsd:element name="SharedWithUsers" ma:index="18" nillable="true" ma:displayName="Compartilhado com" ma:internalName="SharedWithUsers" ma:readOnly="true">
+      <xsd:complexType>
+        <xsd:complexContent>
+          <xsd:extension base="dms:UserMulti">
+            <xsd:sequence>
+              <xsd:element name="UserInfo" minOccurs="0" maxOccurs="unbounded">
+                <xsd:complexType>
+                  <xsd:sequence>
+                    <xsd:element name="DisplayName" type="xsd:string" minOccurs="0"/>
+                    <xsd:element name="AccountId" type="dms:UserId" minOccurs="0" nillable="true"/>
+                    <xsd:element name="AccountType" type="xsd:string" minOccurs="0"/>
+                  </xsd:sequence>
+                </xsd:complexType>
+              </xsd:element>
+            </xsd:sequence>
+          </xsd:extension>
+        </xsd:complexContent>
+      </xsd:complexType>
+    </xsd:element>
+    <xsd:element name="SharedWithDetails" ma:index="19" nillable="true" ma:displayName="Detalhes de Compartilhado Com" ma:internalName="SharedWithDetails" ma:readOnly="true">
+      <xsd:simpleType>
+        <xsd:restriction base="dms:Note">
+          <xsd:maxLength value="255"/>
+        </xsd:restriction>
+      </xsd:simpleType>
+    </xsd:element>
+  </xsd:schema>
+  <xsd:schema xmlns="http://schemas.openxmlformats.org/package/2006/metadata/core-properties" xmlns:xsd="http://www.w3.org/2001/XMLSchema" xmlns:xsi="http://www.w3.org/2001/XMLSchema-instance" xmlns:dc="http://purl.org/dc/elements/1.1/" xmlns:dcterms="http://purl.org/dc/terms/" xmlns:odoc="http://schemas.microsoft.com/internal/obd" targetNamespace="http://schemas.openxmlformats.org/package/2006/metadata/core-properties" elementFormDefault="qualified" attributeFormDefault="unqualified" blockDefault="#all">
+    <xsd:import namespace="http://purl.org/dc/elements/1.1/" schemaLocation="http://dublincore.org/schemas/xmls/qdc/2003/04/02/dc.xsd"/>
+    <xsd:import namespace="http://purl.org/dc/terms/" schemaLocation="http://dublincore.org/schemas/xmls/qdc/2003/04/02/dcterms.xsd"/>
+    <xsd:element name="coreProperties" type="CT_coreProperties"/>
+    <xsd:complexType name="CT_coreProperties">
+      <xsd:all>
+        <xsd:element ref="dc:creator" minOccurs="0" maxOccurs="1"/>
+        <xsd:element ref="dcterms:created" minOccurs="0" maxOccurs="1"/>
+        <xsd:element ref="dc:identifier" minOccurs="0" maxOccurs="1"/>
+        <xsd:element name="contentType" minOccurs="0" maxOccurs="1" type="xsd:string" ma:index="0" ma:displayName="Tipo de Conteúdo"/>
+        <xsd:element ref="dc:title" minOccurs="0" maxOccurs="1" ma:index="4" ma:displayName="Título"/>
+        <xsd:element ref="dc:subject" minOccurs="0" maxOccurs="1"/>
+        <xsd:element ref="dc:description" minOccurs="0" maxOccurs="1"/>
+        <xsd:element name="keywords" minOccurs="0" maxOccurs="1" type="xsd:string"/>
+        <xsd:element ref="dc:language" minOccurs="0" maxOccurs="1"/>
+        <xsd:element name="category" minOccurs="0" maxOccurs="1" type="xsd:string"/>
+        <xsd:element name="version" minOccurs="0" maxOccurs="1" type="xsd:string"/>
+        <xsd:element name="revision" minOccurs="0" maxOccurs="1" type="xsd:string">
+          <xsd:annotation>
+            <xsd:documentation>
+                        This value indicates the number of saves or revisions. The application is responsible for updating this value after each revision.
+                    </xsd:documentation>
+          </xsd:annotation>
+        </xsd:element>
+        <xsd:element name="lastModifiedBy" minOccurs="0" maxOccurs="1" type="xsd:string"/>
+        <xsd:element ref="dcterms:modified" minOccurs="0" maxOccurs="1"/>
+        <xsd:element name="contentStatus" minOccurs="0" maxOccurs="1" type="xsd:string"/>
+      </xsd:all>
+    </xsd:complexType>
+  </xsd:schema>
+  <xs:schema xmlns:pc="http://schemas.microsoft.com/office/infopath/2007/PartnerControls" xmlns:xs="http://www.w3.org/2001/XMLSchema" targetNamespace="http://schemas.microsoft.com/office/infopath/2007/PartnerControls" elementFormDefault="qualified" attributeFormDefault="unqualified">
+    <xs:element name="Person">
+      <xs:complexType>
+        <xs:sequence>
+          <xs:element ref="pc:DisplayName" minOccurs="0"/>
+          <xs:element ref="pc:AccountId" minOccurs="0"/>
+          <xs:element ref="pc:AccountType" minOccurs="0"/>
+        </xs:sequence>
+      </xs:complexType>
+    </xs:element>
+    <xs:element name="DisplayName" type="xs:string"/>
+    <xs:element name="AccountId" type="xs:string"/>
+    <xs:element name="AccountType" type="xs:string"/>
+    <xs:element name="BDCAssociatedEntity">
+      <xs:complexType>
+        <xs:sequence>
+          <xs:element ref="pc:BDCEntity" minOccurs="0" maxOccurs="unbounded"/>
+        </xs:sequence>
+        <xs:attribute ref="pc:EntityNamespace"/>
+        <xs:attribute ref="pc:EntityName"/>
+        <xs:attribute ref="pc:SystemInstanceName"/>
+        <xs:attribute ref="pc:AssociationName"/>
+      </xs:complexType>
+    </xs:element>
+    <xs:attribute name="EntityNamespace" type="xs:string"/>
+    <xs:attribute name="EntityName" type="xs:string"/>
+    <xs:attribute name="SystemInstanceName" type="xs:string"/>
+    <xs:attribute name="AssociationName" type="xs:string"/>
+    <xs:element name="BDCEntity">
+      <xs:complexType>
+        <xs:sequence>
+          <xs:element ref="pc:EntityDisplayName" minOccurs="0"/>
+          <xs:element ref="pc:EntityInstanceReference" minOccurs="0"/>
+          <xs:element ref="pc:EntityId1" minOccurs="0"/>
+          <xs:element ref="pc:EntityId2" minOccurs="0"/>
+          <xs:element ref="pc:EntityId3" minOccurs="0"/>
+          <xs:element ref="pc:EntityId4" minOccurs="0"/>
+          <xs:element ref="pc:EntityId5" minOccurs="0"/>
+        </xs:sequence>
+      </xs:complexType>
+    </xs:element>
+    <xs:element name="EntityDisplayName" type="xs:string"/>
+    <xs:element name="EntityInstanceReference" type="xs:string"/>
+    <xs:element name="EntityId1" type="xs:string"/>
+    <xs:element name="EntityId2" type="xs:string"/>
+    <xs:element name="EntityId3" type="xs:string"/>
+    <xs:element name="EntityId4" type="xs:string"/>
+    <xs:element name="EntityId5" type="xs:string"/>
+    <xs:element name="Terms">
+      <xs:complexType>
+        <xs:sequence>
+          <xs:element ref="pc:TermInfo" minOccurs="0" maxOccurs="unbounded"/>
+        </xs:sequence>
+      </xs:complexType>
+    </xs:element>
+    <xs:element name="TermInfo">
+      <xs:complexType>
+        <xs:sequence>
+          <xs:element ref="pc:TermName" minOccurs="0"/>
+          <xs:element ref="pc:TermId" minOccurs="0"/>
+        </xs:sequence>
+      </xs:complexType>
+    </xs:element>
+    <xs:element name="TermName" type="xs:string"/>
+    <xs:element name="TermId" type="xs:string"/>
+  </xs:schema>
+</ct:contentTypeSchema>
+</file>
+
+<file path=customXml/item2.xml><?xml version="1.0" encoding="utf-8"?>
+<?mso-contentType ?>
+<FormTemplates xmlns="http://schemas.microsoft.com/sharepoint/v3/contenttype/forms">
+  <Display>DocumentLibraryForm</Display>
+  <Edit>DocumentLibraryForm</Edit>
+  <New>DocumentLibraryForm</New>
+</FormTemplates>
+</file>
+
+<file path=customXml/item3.xml><?xml version="1.0" encoding="utf-8"?>
+<p:properties xmlns:p="http://schemas.microsoft.com/office/2006/metadata/properties" xmlns:xsi="http://www.w3.org/2001/XMLSchema-instance" xmlns:pc="http://schemas.microsoft.com/office/infopath/2007/PartnerControls">
+  <documentManagement>
+    <lcf76f155ced4ddcb4097134ff3c332f xmlns="56bd86cd-aee7-4d84-9328-0256d48ce484">
+      <Terms xmlns="http://schemas.microsoft.com/office/infopath/2007/PartnerControls"/>
+    </lcf76f155ced4ddcb4097134ff3c332f>
+  </documentManagement>
+</p:properties>
+</file>
+
+<file path=customXml/itemProps1.xml><?xml version="1.0" encoding="utf-8"?>
+<ds:datastoreItem xmlns:ds="http://schemas.openxmlformats.org/officeDocument/2006/customXml" ds:itemID="{DC48BF06-3DB3-4E9A-8F72-D35CBBA40523}"/>
+</file>
+
+<file path=customXml/itemProps2.xml><?xml version="1.0" encoding="utf-8"?>
+<ds:datastoreItem xmlns:ds="http://schemas.openxmlformats.org/officeDocument/2006/customXml" ds:itemID="{653ED8F5-A7B7-4B49-B1E1-FED08CE02DBD}">
+  <ds:schemaRefs>
+    <ds:schemaRef ds:uri="http://schemas.microsoft.com/sharepoint/v3/contenttype/forms"/>
+  </ds:schemaRefs>
+</ds:datastoreItem>
+</file>
+
+<file path=customXml/itemProps3.xml><?xml version="1.0" encoding="utf-8"?>
+<ds:datastoreItem xmlns:ds="http://schemas.openxmlformats.org/officeDocument/2006/customXml" ds:itemID="{7D874C11-923F-4309-8E73-76DD21B098E1}"/>
 </file>
--- a/slides/informatica_tcc.pptx
+++ b/slides/informatica_tcc.pptx
@@ -8009,8 +8009,8 @@
 </file>
 
 <file path=customXml/item1.xml><?xml version="1.0" encoding="utf-8"?>
-<ct:contentTypeSchema xmlns:ct="http://schemas.microsoft.com/office/2006/metadata/contentType" xmlns:ma="http://schemas.microsoft.com/office/2006/metadata/properties/metaAttributes" ct:_="" ma:_="" ma:contentTypeName="Documento" ma:contentTypeID="0x010100221A7C4456A97A45A5FB2F06EE0F3795" ma:contentTypeVersion="12" ma:contentTypeDescription="Crie um novo documento." ma:contentTypeScope="" ma:versionID="2f4c41121cfa066fe108e5e004855f00">
-  <xsd:schema xmlns:xsd="http://www.w3.org/2001/XMLSchema" xmlns:xs="http://www.w3.org/2001/XMLSchema" xmlns:p="http://schemas.microsoft.com/office/2006/metadata/properties" xmlns:ns2="56bd86cd-aee7-4d84-9328-0256d48ce484" xmlns:ns3="d89b8d59-050a-4503-a522-eb5bc4a69315" targetNamespace="http://schemas.microsoft.com/office/2006/metadata/properties" ma:root="true" ma:fieldsID="d6a311bf9b8bd512c3fc9f491e5d02bc" ns2:_="" ns3:_="">
+<ct:contentTypeSchema xmlns:ct="http://schemas.microsoft.com/office/2006/metadata/contentType" xmlns:ma="http://schemas.microsoft.com/office/2006/metadata/properties/metaAttributes" ct:_="" ma:_="" ma:contentTypeName="Document" ma:contentTypeID="0x010100221A7C4456A97A45A5FB2F06EE0F3795" ma:contentTypeVersion="13" ma:contentTypeDescription="Create a new document." ma:contentTypeScope="" ma:versionID="4bd699d5528b09d9eaa63f72a227ae1d">
+  <xsd:schema xmlns:xsd="http://www.w3.org/2001/XMLSchema" xmlns:xs="http://www.w3.org/2001/XMLSchema" xmlns:p="http://schemas.microsoft.com/office/2006/metadata/properties" xmlns:ns2="56bd86cd-aee7-4d84-9328-0256d48ce484" xmlns:ns3="d89b8d59-050a-4503-a522-eb5bc4a69315" targetNamespace="http://schemas.microsoft.com/office/2006/metadata/properties" ma:root="true" ma:fieldsID="0bcf4575f77de29bfac727cc24d340ba" ns2:_="" ns3:_="">
     <xsd:import namespace="56bd86cd-aee7-4d84-9328-0256d48ce484"/>
     <xsd:import namespace="d89b8d59-050a-4503-a522-eb5bc4a69315"/>
     <xsd:element name="properties">
@@ -8030,6 +8030,7 @@
                 <xsd:element ref="ns2:MediaLengthInSeconds" minOccurs="0"/>
                 <xsd:element ref="ns3:SharedWithUsers" minOccurs="0"/>
                 <xsd:element ref="ns3:SharedWithDetails" minOccurs="0"/>
+                <xsd:element ref="ns2:MediaServiceObjectDetectorVersions" minOccurs="0"/>
               </xsd:all>
             </xsd:complexType>
           </xsd:element>
@@ -8050,7 +8051,7 @@
         <xsd:restriction base="dms:Note"/>
       </xsd:simpleType>
     </xsd:element>
-    <xsd:element name="lcf76f155ced4ddcb4097134ff3c332f" ma:index="11" nillable="true" ma:taxonomy="true" ma:internalName="lcf76f155ced4ddcb4097134ff3c332f" ma:taxonomyFieldName="MediaServiceImageTags" ma:displayName="Marcações de imagem" ma:readOnly="false" ma:fieldId="{5cf76f15-5ced-4ddc-b409-7134ff3c332f}" ma:taxonomyMulti="true" ma:sspId="143de60c-575b-4c62-9f62-591ff79d3e1c" ma:termSetId="09814cd3-568e-fe90-9814-8d621ff8fb84" ma:anchorId="fba54fb3-c3e1-fe81-a776-ca4b69148c4d" ma:open="true" ma:isKeyword="false">
+    <xsd:element name="lcf76f155ced4ddcb4097134ff3c332f" ma:index="11" nillable="true" ma:taxonomy="true" ma:internalName="lcf76f155ced4ddcb4097134ff3c332f" ma:taxonomyFieldName="MediaServiceImageTags" ma:displayName="Image Tags" ma:readOnly="false" ma:fieldId="{5cf76f15-5ced-4ddc-b409-7134ff3c332f}" ma:taxonomyMulti="true" ma:sspId="143de60c-575b-4c62-9f62-591ff79d3e1c" ma:termSetId="09814cd3-568e-fe90-9814-8d621ff8fb84" ma:anchorId="fba54fb3-c3e1-fe81-a776-ca4b69148c4d" ma:open="true" ma:isKeyword="false">
       <xsd:complexType>
         <xsd:sequence>
           <xsd:element ref="pc:Terms" minOccurs="0" maxOccurs="1"/>
@@ -8089,11 +8090,16 @@
         <xsd:restriction base="dms:Unknown"/>
       </xsd:simpleType>
     </xsd:element>
+    <xsd:element name="MediaServiceObjectDetectorVersions" ma:index="20" nillable="true" ma:displayName="MediaServiceObjectDetectorVersions" ma:hidden="true" ma:indexed="true" ma:internalName="MediaServiceObjectDetectorVersions" ma:readOnly="true">
+      <xsd:simpleType>
+        <xsd:restriction base="dms:Text"/>
+      </xsd:simpleType>
+    </xsd:element>
   </xsd:schema>
   <xsd:schema xmlns:xsd="http://www.w3.org/2001/XMLSchema" xmlns:xs="http://www.w3.org/2001/XMLSchema" xmlns:dms="http://schemas.microsoft.com/office/2006/documentManagement/types" xmlns:pc="http://schemas.microsoft.com/office/infopath/2007/PartnerControls" targetNamespace="d89b8d59-050a-4503-a522-eb5bc4a69315" elementFormDefault="qualified">
     <xsd:import namespace="http://schemas.microsoft.com/office/2006/documentManagement/types"/>
     <xsd:import namespace="http://schemas.microsoft.com/office/infopath/2007/PartnerControls"/>
-    <xsd:element name="SharedWithUsers" ma:index="18" nillable="true" ma:displayName="Compartilhado com" ma:internalName="SharedWithUsers" ma:readOnly="true">
+    <xsd:element name="SharedWithUsers" ma:index="18" nillable="true" ma:displayName="Shared With" ma:internalName="SharedWithUsers" ma:readOnly="true">
       <xsd:complexType>
         <xsd:complexContent>
           <xsd:extension base="dms:UserMulti">
@@ -8112,7 +8118,7 @@
         </xsd:complexContent>
       </xsd:complexType>
     </xsd:element>
-    <xsd:element name="SharedWithDetails" ma:index="19" nillable="true" ma:displayName="Detalhes de Compartilhado Com" ma:internalName="SharedWithDetails" ma:readOnly="true">
+    <xsd:element name="SharedWithDetails" ma:index="19" nillable="true" ma:displayName="Shared With Details" ma:internalName="SharedWithDetails" ma:readOnly="true">
       <xsd:simpleType>
         <xsd:restriction base="dms:Note">
           <xsd:maxLength value="255"/>
@@ -8129,8 +8135,8 @@
         <xsd:element ref="dc:creator" minOccurs="0" maxOccurs="1"/>
         <xsd:element ref="dcterms:created" minOccurs="0" maxOccurs="1"/>
         <xsd:element ref="dc:identifier" minOccurs="0" maxOccurs="1"/>
-        <xsd:element name="contentType" minOccurs="0" maxOccurs="1" type="xsd:string" ma:index="0" ma:displayName="Tipo de Conteúdo"/>
-        <xsd:element ref="dc:title" minOccurs="0" maxOccurs="1" ma:index="4" ma:displayName="Título"/>
+        <xsd:element name="contentType" minOccurs="0" maxOccurs="1" type="xsd:string" ma:index="0" ma:displayName="Content Type"/>
+        <xsd:element ref="dc:title" minOccurs="0" maxOccurs="1" ma:index="4" ma:displayName="Title"/>
         <xsd:element ref="dc:subject" minOccurs="0" maxOccurs="1"/>
         <xsd:element ref="dc:description" minOccurs="0" maxOccurs="1"/>
         <xsd:element name="keywords" minOccurs="0" maxOccurs="1" type="xsd:string"/>
@@ -8239,7 +8245,7 @@
 </file>
 
 <file path=customXml/itemProps1.xml><?xml version="1.0" encoding="utf-8"?>
-<ds:datastoreItem xmlns:ds="http://schemas.openxmlformats.org/officeDocument/2006/customXml" ds:itemID="{DC48BF06-3DB3-4E9A-8F72-D35CBBA40523}"/>
+<ds:datastoreItem xmlns:ds="http://schemas.openxmlformats.org/officeDocument/2006/customXml" ds:itemID="{0D86FF9C-52AA-41BC-8DCE-1039AA20C173}"/>
 </file>
 
 <file path=customXml/itemProps2.xml><?xml version="1.0" encoding="utf-8"?>
